--- a/sprints/Methodology.pptx
+++ b/sprints/Methodology.pptx
@@ -6,7 +6,7 @@
     <p:sldMasterId id="2147483674" r:id="rId3"/>
   </p:sldMasterIdLst>
   <p:notesMasterIdLst>
-    <p:notesMasterId r:id="rId14"/>
+    <p:notesMasterId r:id="rId13"/>
   </p:notesMasterIdLst>
   <p:sldIdLst>
     <p:sldId id="257" r:id="rId4"/>
@@ -16,9 +16,8 @@
     <p:sldId id="274" r:id="rId8"/>
     <p:sldId id="275" r:id="rId9"/>
     <p:sldId id="276" r:id="rId10"/>
-    <p:sldId id="277" r:id="rId11"/>
-    <p:sldId id="278" r:id="rId12"/>
-    <p:sldId id="279" r:id="rId13"/>
+    <p:sldId id="278" r:id="rId11"/>
+    <p:sldId id="279" r:id="rId12"/>
   </p:sldIdLst>
   <p:sldSz cx="9144000" cy="6858000" type="screen4x3"/>
   <p:notesSz cx="6858000" cy="9144000"/>
@@ -202,7 +201,7 @@
           <a:p>
             <a:fld id="{68B00D8E-BD79-47BE-AA74-0D4716B611F1}" type="datetimeFigureOut">
               <a:rPr lang="en-US" smtClean="0"/>
-              <a:t>11/7/2016</a:t>
+              <a:t>11/19/2016</a:t>
             </a:fld>
             <a:endParaRPr lang="en-US"/>
           </a:p>
@@ -559,7 +558,7 @@
             <a:fld id="{81331B57-0BE5-4F82-AA58-76F53EFF3ADA}" type="datetime8">
               <a:rPr lang="en-US" smtClean="0"/>
               <a:pPr/>
-              <a:t>11/7/2016 6:15 PM</a:t>
+              <a:t>11/19/2016 3:37 PM</a:t>
             </a:fld>
             <a:endParaRPr lang="en-US" dirty="0"/>
           </a:p>
@@ -654,191 +653,6 @@
               <a:rPr lang="en-US" smtClean="0"/>
               <a:pPr/>
               <a:t>1</a:t>
-            </a:fld>
-            <a:endParaRPr lang="en-US" dirty="0"/>
-          </a:p>
-        </p:txBody>
-      </p:sp>
-    </p:spTree>
-  </p:cSld>
-  <p:clrMapOvr>
-    <a:masterClrMapping/>
-  </p:clrMapOvr>
-</p:notes>
-</file>
-
-<file path=ppt/notesSlides/notesSlide10.xml><?xml version="1.0" encoding="utf-8"?>
-<p:notes xmlns:a="http://schemas.openxmlformats.org/drawingml/2006/main" xmlns:r="http://schemas.openxmlformats.org/officeDocument/2006/relationships" xmlns:p="http://schemas.openxmlformats.org/presentationml/2006/main">
-  <p:cSld>
-    <p:spTree>
-      <p:nvGrpSpPr>
-        <p:cNvPr id="1" name=""/>
-        <p:cNvGrpSpPr/>
-        <p:nvPr/>
-      </p:nvGrpSpPr>
-      <p:grpSpPr>
-        <a:xfrm>
-          <a:off x="0" y="0"/>
-          <a:ext cx="0" cy="0"/>
-          <a:chOff x="0" y="0"/>
-          <a:chExt cx="0" cy="0"/>
-        </a:xfrm>
-      </p:grpSpPr>
-      <p:sp>
-        <p:nvSpPr>
-          <p:cNvPr id="2" name="Slide Image Placeholder 1"/>
-          <p:cNvSpPr>
-            <a:spLocks noGrp="1" noRot="1" noChangeAspect="1"/>
-          </p:cNvSpPr>
-          <p:nvPr>
-            <p:ph type="sldImg"/>
-          </p:nvPr>
-        </p:nvSpPr>
-        <p:spPr/>
-      </p:sp>
-      <p:sp>
-        <p:nvSpPr>
-          <p:cNvPr id="3" name="Notes Placeholder 2"/>
-          <p:cNvSpPr>
-            <a:spLocks noGrp="1"/>
-          </p:cNvSpPr>
-          <p:nvPr>
-            <p:ph type="body" idx="1"/>
-          </p:nvPr>
-        </p:nvSpPr>
-        <p:spPr/>
-        <p:txBody>
-          <a:bodyPr>
-            <a:normAutofit/>
-          </a:bodyPr>
-          <a:lstStyle/>
-          <a:p>
-            <a:endParaRPr lang="en-US"/>
-          </a:p>
-        </p:txBody>
-      </p:sp>
-      <p:sp>
-        <p:nvSpPr>
-          <p:cNvPr id="4" name="Header Placeholder 3"/>
-          <p:cNvSpPr>
-            <a:spLocks noGrp="1"/>
-          </p:cNvSpPr>
-          <p:nvPr>
-            <p:ph type="hdr" sz="quarter" idx="10"/>
-          </p:nvPr>
-        </p:nvSpPr>
-        <p:spPr/>
-        <p:txBody>
-          <a:bodyPr/>
-          <a:lstStyle/>
-          <a:p>
-            <a:endParaRPr lang="en-US" dirty="0"/>
-          </a:p>
-        </p:txBody>
-      </p:sp>
-      <p:sp>
-        <p:nvSpPr>
-          <p:cNvPr id="5" name="Date Placeholder 4"/>
-          <p:cNvSpPr>
-            <a:spLocks noGrp="1"/>
-          </p:cNvSpPr>
-          <p:nvPr>
-            <p:ph type="dt" idx="11"/>
-          </p:nvPr>
-        </p:nvSpPr>
-        <p:spPr/>
-        <p:txBody>
-          <a:bodyPr/>
-          <a:lstStyle/>
-          <a:p>
-            <a:fld id="{81331B57-0BE5-4F82-AA58-76F53EFF3ADA}" type="datetime8">
-              <a:rPr lang="en-US" smtClean="0"/>
-              <a:pPr/>
-              <a:t>11/7/2016 7:18 PM</a:t>
-            </a:fld>
-            <a:endParaRPr lang="en-US"/>
-          </a:p>
-        </p:txBody>
-      </p:sp>
-      <p:sp>
-        <p:nvSpPr>
-          <p:cNvPr id="6" name="Footer Placeholder 5"/>
-          <p:cNvSpPr>
-            <a:spLocks noGrp="1"/>
-          </p:cNvSpPr>
-          <p:nvPr>
-            <p:ph type="ftr" sz="quarter" idx="12"/>
-          </p:nvPr>
-        </p:nvSpPr>
-        <p:spPr/>
-        <p:txBody>
-          <a:bodyPr/>
-          <a:lstStyle/>
-          <a:p>
-            <a:r>
-              <a:rPr lang="en-US" dirty="0" smtClean="0">
-                <a:solidFill>
-                  <a:srgbClr val="000000"/>
-                </a:solidFill>
-                <a:latin typeface="Trebuchet MS" pitchFamily="34" charset="0"/>
-              </a:rPr>
-              <a:t>© 2007 Microsoft Corporation. All rights reserved. Microsoft, Windows, Windows Vista and other product names are or may be registered trademarks and/or trademarks in the U.S. and/or other countries.</a:t>
-            </a:r>
-          </a:p>
-          <a:p>
-            <a:r>
-              <a:rPr lang="en-US" dirty="0" smtClean="0">
-                <a:solidFill>
-                  <a:srgbClr val="000000"/>
-                </a:solidFill>
-                <a:latin typeface="Trebuchet MS" pitchFamily="34" charset="0"/>
-              </a:rPr>
-              <a:t>The information herein is for informational purposes only and represents the current view of Microsoft Corporation as of the date of this presentation.  Because Microsoft must respond to changing market conditions, it should not be interpreted to be a commitment on the part of Microsoft, and Microsoft cannot guarantee the accuracy of any information provided after the date of this presentation.  </a:t>
-            </a:r>
-            <a:br>
-              <a:rPr lang="en-US" dirty="0" smtClean="0">
-                <a:solidFill>
-                  <a:srgbClr val="000000"/>
-                </a:solidFill>
-                <a:latin typeface="Trebuchet MS" pitchFamily="34" charset="0"/>
-              </a:rPr>
-            </a:br>
-            <a:r>
-              <a:rPr lang="en-US" dirty="0" smtClean="0">
-                <a:solidFill>
-                  <a:srgbClr val="000000"/>
-                </a:solidFill>
-                <a:latin typeface="Trebuchet MS" pitchFamily="34" charset="0"/>
-              </a:rPr>
-              <a:t>MICROSOFT MAKES NO WARRANTIES, EXPRESS, IMPLIED OR STATUTORY, AS TO THE INFORMATION IN THIS PRESENTATION.</a:t>
-            </a:r>
-          </a:p>
-          <a:p>
-            <a:endParaRPr lang="en-US" dirty="0">
-              <a:latin typeface="Trebuchet MS" pitchFamily="34" charset="0"/>
-            </a:endParaRPr>
-          </a:p>
-        </p:txBody>
-      </p:sp>
-      <p:sp>
-        <p:nvSpPr>
-          <p:cNvPr id="7" name="Slide Number Placeholder 6"/>
-          <p:cNvSpPr>
-            <a:spLocks noGrp="1"/>
-          </p:cNvSpPr>
-          <p:nvPr>
-            <p:ph type="sldNum" sz="quarter" idx="13"/>
-          </p:nvPr>
-        </p:nvSpPr>
-        <p:spPr/>
-        <p:txBody>
-          <a:bodyPr/>
-          <a:lstStyle/>
-          <a:p>
-            <a:fld id="{EC87E0CF-87F6-4B58-B8B8-DCAB2DAAF3CA}" type="slidenum">
-              <a:rPr lang="en-US" smtClean="0"/>
-              <a:pPr/>
-              <a:t>10</a:t>
             </a:fld>
             <a:endParaRPr lang="en-US" dirty="0"/>
           </a:p>
@@ -939,7 +753,7 @@
             <a:fld id="{81331B57-0BE5-4F82-AA58-76F53EFF3ADA}" type="datetime8">
               <a:rPr lang="en-US" smtClean="0"/>
               <a:pPr/>
-              <a:t>11/7/2016 6:15 PM</a:t>
+              <a:t>11/19/2016 3:37 PM</a:t>
             </a:fld>
             <a:endParaRPr lang="en-US"/>
           </a:p>
@@ -1124,7 +938,7 @@
             <a:fld id="{81331B57-0BE5-4F82-AA58-76F53EFF3ADA}" type="datetime8">
               <a:rPr lang="en-US" smtClean="0"/>
               <a:pPr/>
-              <a:t>11/7/2016 6:18 PM</a:t>
+              <a:t>11/19/2016 3:37 PM</a:t>
             </a:fld>
             <a:endParaRPr lang="en-US"/>
           </a:p>
@@ -1309,7 +1123,7 @@
             <a:fld id="{81331B57-0BE5-4F82-AA58-76F53EFF3ADA}" type="datetime8">
               <a:rPr lang="en-US" smtClean="0"/>
               <a:pPr/>
-              <a:t>11/7/2016 6:30 PM</a:t>
+              <a:t>11/19/2016 3:37 PM</a:t>
             </a:fld>
             <a:endParaRPr lang="en-US"/>
           </a:p>
@@ -1494,7 +1308,7 @@
             <a:fld id="{81331B57-0BE5-4F82-AA58-76F53EFF3ADA}" type="datetime8">
               <a:rPr lang="en-US" smtClean="0"/>
               <a:pPr/>
-              <a:t>11/7/2016 6:35 PM</a:t>
+              <a:t>11/19/2016 3:37 PM</a:t>
             </a:fld>
             <a:endParaRPr lang="en-US"/>
           </a:p>
@@ -1679,7 +1493,7 @@
             <a:fld id="{81331B57-0BE5-4F82-AA58-76F53EFF3ADA}" type="datetime8">
               <a:rPr lang="en-US" smtClean="0"/>
               <a:pPr/>
-              <a:t>11/7/2016 6:39 PM</a:t>
+              <a:t>11/19/2016 3:37 PM</a:t>
             </a:fld>
             <a:endParaRPr lang="en-US"/>
           </a:p>
@@ -1864,7 +1678,7 @@
             <a:fld id="{81331B57-0BE5-4F82-AA58-76F53EFF3ADA}" type="datetime8">
               <a:rPr lang="en-US" smtClean="0"/>
               <a:pPr/>
-              <a:t>11/7/2016 6:51 PM</a:t>
+              <a:t>11/19/2016 3:58 PM</a:t>
             </a:fld>
             <a:endParaRPr lang="en-US"/>
           </a:p>
@@ -2049,7 +1863,7 @@
             <a:fld id="{81331B57-0BE5-4F82-AA58-76F53EFF3ADA}" type="datetime8">
               <a:rPr lang="en-US" smtClean="0"/>
               <a:pPr/>
-              <a:t>11/7/2016 7:12 PM</a:t>
+              <a:t>11/19/2016 3:37 PM</a:t>
             </a:fld>
             <a:endParaRPr lang="en-US"/>
           </a:p>
@@ -2234,7 +2048,7 @@
             <a:fld id="{81331B57-0BE5-4F82-AA58-76F53EFF3ADA}" type="datetime8">
               <a:rPr lang="en-US" smtClean="0"/>
               <a:pPr/>
-              <a:t>11/7/2016 7:14 PM</a:t>
+              <a:t>11/19/2016 3:37 PM</a:t>
             </a:fld>
             <a:endParaRPr lang="en-US"/>
           </a:p>
@@ -5545,22 +5359,22 @@
             </a:r>
             <a:r>
               <a:rPr lang="en-US" dirty="0" smtClean="0"/>
-              <a:t> </a:t>
-            </a:r>
-            <a:r>
-              <a:rPr lang="en-US" dirty="0" smtClean="0"/>
-              <a:t>– Development Process/Methodology</a:t>
-            </a:r>
-            <a:r>
-              <a:rPr lang="en-US" dirty="0" smtClean="0"/>
-              <a:t/>
+              <a:t> – Development Process/Methodology</a:t>
             </a:r>
             <a:br>
               <a:rPr lang="en-US" dirty="0" smtClean="0"/>
             </a:br>
             <a:r>
               <a:rPr lang="en-US" dirty="0" smtClean="0"/>
-              <a:t>Nov. 7, 2016</a:t>
+              <a:t>Nov. </a:t>
+            </a:r>
+            <a:r>
+              <a:rPr lang="en-US" dirty="0" smtClean="0"/>
+              <a:t>19, </a:t>
+            </a:r>
+            <a:r>
+              <a:rPr lang="en-US" dirty="0" smtClean="0"/>
+              <a:t>2016</a:t>
             </a:r>
             <a:endParaRPr lang="en-US" dirty="0"/>
           </a:p>
@@ -5608,149 +5422,6 @@
         </p:txBody>
       </p:sp>
     </p:spTree>
-  </p:cSld>
-  <p:clrMapOvr>
-    <a:masterClrMapping/>
-  </p:clrMapOvr>
-  <p:transition>
-    <p:fade/>
-  </p:transition>
-  <p:timing>
-    <p:tnLst>
-      <p:par>
-        <p:cTn id="1" dur="indefinite" restart="never" nodeType="tmRoot"/>
-      </p:par>
-    </p:tnLst>
-  </p:timing>
-</p:sld>
-</file>
-
-<file path=ppt/slides/slide10.xml><?xml version="1.0" encoding="utf-8"?>
-<p:sld xmlns:a="http://schemas.openxmlformats.org/drawingml/2006/main" xmlns:r="http://schemas.openxmlformats.org/officeDocument/2006/relationships" xmlns:p="http://schemas.openxmlformats.org/presentationml/2006/main">
-  <p:cSld>
-    <p:spTree>
-      <p:nvGrpSpPr>
-        <p:cNvPr id="1" name=""/>
-        <p:cNvGrpSpPr/>
-        <p:nvPr/>
-      </p:nvGrpSpPr>
-      <p:grpSpPr>
-        <a:xfrm>
-          <a:off x="0" y="0"/>
-          <a:ext cx="0" cy="0"/>
-          <a:chOff x="0" y="0"/>
-          <a:chExt cx="0" cy="0"/>
-        </a:xfrm>
-      </p:grpSpPr>
-      <p:sp>
-        <p:nvSpPr>
-          <p:cNvPr id="2" name="Title 1"/>
-          <p:cNvSpPr>
-            <a:spLocks noGrp="1"/>
-          </p:cNvSpPr>
-          <p:nvPr>
-            <p:ph type="title"/>
-          </p:nvPr>
-        </p:nvSpPr>
-        <p:spPr>
-          <a:xfrm>
-            <a:off x="381000" y="230188"/>
-            <a:ext cx="8382000" cy="1329595"/>
-          </a:xfrm>
-        </p:spPr>
-        <p:txBody>
-          <a:bodyPr/>
-          <a:lstStyle/>
-          <a:p>
-            <a:r>
-              <a:rPr lang="en-US" dirty="0" smtClean="0"/>
-              <a:t>Phase 3 : Turn Technology into Product</a:t>
-            </a:r>
-            <a:endParaRPr lang="en-US" dirty="0"/>
-          </a:p>
-        </p:txBody>
-      </p:sp>
-      <p:sp>
-        <p:nvSpPr>
-          <p:cNvPr id="3" name="Text Placeholder 2"/>
-          <p:cNvSpPr>
-            <a:spLocks noGrp="1"/>
-          </p:cNvSpPr>
-          <p:nvPr>
-            <p:ph type="body" sz="quarter" idx="10"/>
-          </p:nvPr>
-        </p:nvSpPr>
-        <p:spPr>
-          <a:xfrm>
-            <a:off x="304800" y="1524000"/>
-            <a:ext cx="8382000" cy="4881336"/>
-          </a:xfrm>
-        </p:spPr>
-        <p:txBody>
-          <a:bodyPr/>
-          <a:lstStyle/>
-          <a:p>
-            <a:r>
-              <a:rPr lang="en-US" dirty="0" smtClean="0"/>
-              <a:t>Business Management Funds the Development</a:t>
-            </a:r>
-          </a:p>
-          <a:p>
-            <a:pPr marL="517525" lvl="1" indent="0">
-              <a:buNone/>
-            </a:pPr>
-            <a:endParaRPr lang="en-US" dirty="0"/>
-          </a:p>
-          <a:p>
-            <a:r>
-              <a:rPr lang="en-US" dirty="0" smtClean="0"/>
-              <a:t>Technologist stays until</a:t>
-            </a:r>
-          </a:p>
-          <a:p>
-            <a:pPr lvl="1"/>
-            <a:r>
-              <a:rPr lang="en-US" dirty="0" smtClean="0"/>
-              <a:t>Technology is transferred</a:t>
-            </a:r>
-          </a:p>
-          <a:p>
-            <a:pPr lvl="1"/>
-            <a:r>
-              <a:rPr lang="en-US" dirty="0" smtClean="0"/>
-              <a:t>Development team is trained.</a:t>
-            </a:r>
-          </a:p>
-          <a:p>
-            <a:pPr lvl="1"/>
-            <a:r>
-              <a:rPr lang="en-US" dirty="0" smtClean="0"/>
-              <a:t>Grace period to make sure all is okay.</a:t>
-            </a:r>
-          </a:p>
-          <a:p>
-            <a:pPr marL="517525" lvl="1" indent="0">
-              <a:buNone/>
-            </a:pPr>
-            <a:endParaRPr lang="en-US" dirty="0" smtClean="0"/>
-          </a:p>
-          <a:p>
-            <a:r>
-              <a:rPr lang="en-US" dirty="0" smtClean="0"/>
-              <a:t>Product Owner, Project Leader, QA stay through the product development.</a:t>
-            </a:r>
-          </a:p>
-          <a:p>
-            <a:endParaRPr lang="en-US" dirty="0" smtClean="0"/>
-          </a:p>
-        </p:txBody>
-      </p:sp>
-    </p:spTree>
-    <p:extLst>
-      <p:ext uri="{BB962C8B-B14F-4D97-AF65-F5344CB8AC3E}">
-        <p14:creationId xmlns:p14="http://schemas.microsoft.com/office/powerpoint/2010/main" val="561516353"/>
-      </p:ext>
-    </p:extLst>
   </p:cSld>
   <p:clrMapOvr>
     <a:masterClrMapping/>
@@ -5832,7 +5503,6 @@
               <a:rPr lang="en-US" dirty="0" smtClean="0"/>
               <a:t>Phase 1: Create Intellectual Property Concept</a:t>
             </a:r>
-            <a:endParaRPr lang="en-US" dirty="0" smtClean="0"/>
           </a:p>
           <a:p>
             <a:pPr marL="0" indent="0">
@@ -5942,8 +5612,8 @@
         </p:nvSpPr>
         <p:spPr>
           <a:xfrm>
-            <a:off x="381000" y="1096423"/>
-            <a:ext cx="8382000" cy="3625608"/>
+            <a:off x="381000" y="990600"/>
+            <a:ext cx="8382000" cy="5386090"/>
           </a:xfrm>
         </p:spPr>
         <p:txBody>
@@ -5952,56 +5622,156 @@
           <a:p>
             <a:r>
               <a:rPr lang="en-US" dirty="0" smtClean="0"/>
-              <a:t>Technologist chooses a concept to explore</a:t>
-            </a:r>
+              <a:t>Technologist chooses a concept to </a:t>
+            </a:r>
+            <a:r>
+              <a:rPr lang="en-US" dirty="0" smtClean="0"/>
+              <a:t>explore </a:t>
+            </a:r>
+          </a:p>
+          <a:p>
+            <a:pPr lvl="1"/>
+            <a:r>
+              <a:rPr lang="en-US" dirty="0" smtClean="0">
+                <a:solidFill>
+                  <a:schemeClr val="accent5">
+                    <a:lumMod val="50000"/>
+                  </a:schemeClr>
+                </a:solidFill>
+              </a:rPr>
+              <a:t>NoSQL Data Pipeline &amp; Engine</a:t>
+            </a:r>
+            <a:endParaRPr lang="en-US" dirty="0" smtClean="0">
+              <a:solidFill>
+                <a:schemeClr val="accent5">
+                  <a:lumMod val="50000"/>
+                </a:schemeClr>
+              </a:solidFill>
+            </a:endParaRPr>
           </a:p>
           <a:p>
             <a:pPr marL="0" indent="0">
               <a:buNone/>
             </a:pPr>
-            <a:endParaRPr lang="en-US" dirty="0" smtClean="0"/>
+            <a:endParaRPr lang="en-US" sz="1600" dirty="0" smtClean="0"/>
+          </a:p>
+          <a:p>
+            <a:r>
+              <a:rPr lang="en-US" dirty="0" smtClean="0"/>
+              <a:t>Become </a:t>
+            </a:r>
+            <a:r>
+              <a:rPr lang="en-US" dirty="0" smtClean="0"/>
+              <a:t>familiar with the </a:t>
+            </a:r>
+            <a:r>
+              <a:rPr lang="en-US" dirty="0" smtClean="0"/>
+              <a:t>domain</a:t>
+            </a:r>
           </a:p>
           <a:p>
             <a:pPr lvl="1"/>
             <a:r>
-              <a:rPr lang="en-US" dirty="0" smtClean="0"/>
-              <a:t>Becomes familiar with the domain</a:t>
+              <a:rPr lang="en-US" dirty="0" smtClean="0">
+                <a:solidFill>
+                  <a:schemeClr val="accent5">
+                    <a:lumMod val="50000"/>
+                  </a:schemeClr>
+                </a:solidFill>
+              </a:rPr>
+              <a:t>Study Schema(less) Database Principals</a:t>
+            </a:r>
+          </a:p>
+          <a:p>
+            <a:pPr lvl="1"/>
+            <a:r>
+              <a:rPr lang="en-US" dirty="0" smtClean="0">
+                <a:solidFill>
+                  <a:schemeClr val="accent5">
+                    <a:lumMod val="50000"/>
+                  </a:schemeClr>
+                </a:solidFill>
+              </a:rPr>
+              <a:t>Research Design Approaches</a:t>
+            </a:r>
+          </a:p>
+          <a:p>
+            <a:pPr lvl="1"/>
+            <a:r>
+              <a:rPr lang="en-US" dirty="0" smtClean="0">
+                <a:solidFill>
+                  <a:schemeClr val="accent5">
+                    <a:lumMod val="50000"/>
+                  </a:schemeClr>
+                </a:solidFill>
+              </a:rPr>
+              <a:t>Identify existing Open Source NoSQL Engines</a:t>
             </a:r>
           </a:p>
           <a:p>
             <a:pPr marL="517525" lvl="1" indent="0">
               <a:buNone/>
             </a:pPr>
-            <a:endParaRPr lang="en-US" dirty="0" smtClean="0"/>
+            <a:endParaRPr lang="en-US" sz="1600" dirty="0" smtClean="0"/>
+          </a:p>
+          <a:p>
+            <a:r>
+              <a:rPr lang="en-US" dirty="0" smtClean="0"/>
+              <a:t>Researches the domain for opportunity</a:t>
+            </a:r>
           </a:p>
           <a:p>
             <a:pPr lvl="1"/>
             <a:r>
-              <a:rPr lang="en-US" dirty="0" smtClean="0"/>
-              <a:t>Researches the domain for opportunity</a:t>
-            </a:r>
-          </a:p>
-          <a:p>
-            <a:pPr lvl="2"/>
-            <a:r>
-              <a:rPr lang="en-US" dirty="0" smtClean="0"/>
-              <a:t>Few to no existing products</a:t>
-            </a:r>
-          </a:p>
-          <a:p>
-            <a:pPr lvl="2"/>
-            <a:r>
-              <a:rPr lang="en-US" dirty="0" smtClean="0"/>
-              <a:t>No dominant player (Gorilla)</a:t>
-            </a:r>
-          </a:p>
-          <a:p>
-            <a:pPr lvl="2"/>
-            <a:r>
-              <a:rPr lang="en-US" dirty="0" smtClean="0"/>
-              <a:t>Little or large gaps in published intellectual property</a:t>
-            </a:r>
-            <a:endParaRPr lang="en-US" dirty="0" smtClean="0"/>
+              <a:rPr lang="en-US" dirty="0" smtClean="0">
+                <a:solidFill>
+                  <a:schemeClr val="accent5">
+                    <a:lumMod val="50000"/>
+                  </a:schemeClr>
+                </a:solidFill>
+              </a:rPr>
+              <a:t>No Dominant Player – but MongoDB is leading</a:t>
+            </a:r>
+            <a:endParaRPr lang="en-US" dirty="0" smtClean="0">
+              <a:solidFill>
+                <a:schemeClr val="accent5">
+                  <a:lumMod val="50000"/>
+                </a:schemeClr>
+              </a:solidFill>
+            </a:endParaRPr>
+          </a:p>
+          <a:p>
+            <a:pPr lvl="1"/>
+            <a:r>
+              <a:rPr lang="en-US" dirty="0" smtClean="0">
+                <a:solidFill>
+                  <a:schemeClr val="accent5">
+                    <a:lumMod val="50000"/>
+                  </a:schemeClr>
+                </a:solidFill>
+              </a:rPr>
+              <a:t>No/Few specialize in Open Data datasets</a:t>
+            </a:r>
+          </a:p>
+          <a:p>
+            <a:pPr lvl="1"/>
+            <a:r>
+              <a:rPr lang="en-US" dirty="0" smtClean="0">
+                <a:solidFill>
+                  <a:schemeClr val="accent5">
+                    <a:lumMod val="50000"/>
+                  </a:schemeClr>
+                </a:solidFill>
+              </a:rPr>
+              <a:t>Academic/Professional Education/Training</a:t>
+            </a:r>
+            <a:endParaRPr lang="en-US" dirty="0" smtClean="0">
+              <a:solidFill>
+                <a:schemeClr val="accent5">
+                  <a:lumMod val="50000"/>
+                </a:schemeClr>
+              </a:solidFill>
+            </a:endParaRPr>
           </a:p>
         </p:txBody>
       </p:sp>
@@ -6055,14 +5825,23 @@
             <p:ph type="title"/>
           </p:nvPr>
         </p:nvSpPr>
-        <p:spPr/>
+        <p:spPr>
+          <a:xfrm>
+            <a:off x="381000" y="230188"/>
+            <a:ext cx="8382000" cy="664797"/>
+          </a:xfrm>
+        </p:spPr>
         <p:txBody>
           <a:bodyPr/>
           <a:lstStyle/>
           <a:p>
             <a:r>
               <a:rPr lang="en-US" dirty="0" smtClean="0"/>
-              <a:t>Phase 1 : IP Concept (2)</a:t>
+              <a:t>Phase 1 : IP Concept </a:t>
+            </a:r>
+            <a:r>
+              <a:rPr lang="en-US" dirty="0" smtClean="0"/>
+              <a:t>( Domain Goal)</a:t>
             </a:r>
             <a:endParaRPr lang="en-US" dirty="0"/>
           </a:p>
@@ -6081,46 +5860,12 @@
         <p:spPr>
           <a:xfrm>
             <a:off x="381000" y="1096423"/>
-            <a:ext cx="8382000" cy="5453801"/>
+            <a:ext cx="8382000" cy="3219343"/>
           </a:xfrm>
         </p:spPr>
         <p:txBody>
           <a:bodyPr/>
           <a:lstStyle/>
-          <a:p>
-            <a:r>
-              <a:rPr lang="en-US" dirty="0" smtClean="0"/>
-              <a:t>Identifies coarse areas for potential IP </a:t>
-            </a:r>
-          </a:p>
-          <a:p>
-            <a:pPr lvl="1"/>
-            <a:r>
-              <a:rPr lang="en-US" dirty="0" smtClean="0"/>
-              <a:t>3/5/7 year</a:t>
-            </a:r>
-          </a:p>
-          <a:p>
-            <a:pPr lvl="2"/>
-            <a:r>
-              <a:rPr lang="en-US" dirty="0" smtClean="0"/>
-              <a:t>3 years out</a:t>
-            </a:r>
-          </a:p>
-          <a:p>
-            <a:pPr lvl="2"/>
-            <a:r>
-              <a:rPr lang="en-US" dirty="0" smtClean="0"/>
-              <a:t>5 years out</a:t>
-            </a:r>
-          </a:p>
-          <a:p>
-            <a:pPr lvl="2"/>
-            <a:r>
-              <a:rPr lang="en-US" dirty="0" smtClean="0"/>
-              <a:t>7 years out</a:t>
-            </a:r>
-          </a:p>
           <a:p>
             <a:pPr marL="0" indent="0">
               <a:buNone/>
@@ -6137,20 +5882,37 @@
             <a:pPr lvl="1"/>
             <a:r>
               <a:rPr lang="en-US" dirty="0" smtClean="0"/>
-              <a:t>3/6/9 weeks</a:t>
-            </a:r>
+              <a:t>3/6/9 </a:t>
+            </a:r>
+            <a:r>
+              <a:rPr lang="en-US" dirty="0" smtClean="0"/>
+              <a:t>weeks plan</a:t>
+            </a:r>
+            <a:endParaRPr lang="en-US" dirty="0" smtClean="0"/>
           </a:p>
           <a:p>
             <a:pPr lvl="2"/>
             <a:r>
-              <a:rPr lang="en-US" dirty="0" smtClean="0"/>
+              <a:rPr lang="en-US" dirty="0" smtClean="0">
+                <a:solidFill>
+                  <a:schemeClr val="accent5">
+                    <a:lumMod val="50000"/>
+                  </a:schemeClr>
+                </a:solidFill>
+              </a:rPr>
               <a:t>3 weeks – able to grasp the domain (breadth)</a:t>
             </a:r>
           </a:p>
           <a:p>
             <a:pPr lvl="2"/>
             <a:r>
-              <a:rPr lang="en-US" dirty="0" smtClean="0"/>
+              <a:rPr lang="en-US" dirty="0" smtClean="0">
+                <a:solidFill>
+                  <a:schemeClr val="accent5">
+                    <a:lumMod val="50000"/>
+                  </a:schemeClr>
+                </a:solidFill>
+              </a:rPr>
               <a:t>6 weeks – deep knowledge in various areas</a:t>
             </a:r>
           </a:p>
@@ -6245,7 +6007,7 @@
         <p:spPr>
           <a:xfrm>
             <a:off x="381000" y="914400"/>
-            <a:ext cx="8382000" cy="7115794"/>
+            <a:ext cx="8382000" cy="7146572"/>
           </a:xfrm>
         </p:spPr>
         <p:txBody>
@@ -6267,17 +6029,42 @@
           <a:p>
             <a:pPr lvl="2"/>
             <a:r>
-              <a:rPr lang="en-US" dirty="0" smtClean="0"/>
-              <a:t>Potential IP</a:t>
-            </a:r>
+              <a:rPr lang="en-US" dirty="0" smtClean="0">
+                <a:solidFill>
+                  <a:schemeClr val="accent5">
+                    <a:lumMod val="50000"/>
+                  </a:schemeClr>
+                </a:solidFill>
+              </a:rPr>
+              <a:t>CSV/PSV to Columnar/Document/RDBMS data stores</a:t>
+            </a:r>
+            <a:endParaRPr lang="en-US" dirty="0" smtClean="0">
+              <a:solidFill>
+                <a:schemeClr val="accent5">
+                  <a:lumMod val="50000"/>
+                </a:schemeClr>
+              </a:solidFill>
+            </a:endParaRPr>
           </a:p>
           <a:p>
             <a:pPr lvl="2"/>
             <a:r>
-              <a:rPr lang="en-US" dirty="0" smtClean="0"/>
-              <a:t>Potential Product Configuration/Features</a:t>
-            </a:r>
-            <a:endParaRPr lang="en-US" dirty="0" smtClean="0"/>
+              <a:rPr lang="en-US" dirty="0" smtClean="0">
+                <a:solidFill>
+                  <a:schemeClr val="accent5">
+                    <a:lumMod val="50000"/>
+                  </a:schemeClr>
+                </a:solidFill>
+              </a:rPr>
+              <a:t>CRUD queries</a:t>
+            </a:r>
+            <a:endParaRPr lang="en-US" dirty="0" smtClean="0">
+              <a:solidFill>
+                <a:schemeClr val="accent5">
+                  <a:lumMod val="50000"/>
+                </a:schemeClr>
+              </a:solidFill>
+            </a:endParaRPr>
           </a:p>
           <a:p>
             <a:pPr marL="0" indent="0">
@@ -6288,14 +6075,41 @@
           <a:p>
             <a:r>
               <a:rPr lang="en-US" dirty="0" smtClean="0"/>
-              <a:t>Demo and Pitch to Senior Engineering Management</a:t>
+              <a:t>Practice Demo </a:t>
+            </a:r>
+            <a:r>
+              <a:rPr lang="en-US" dirty="0" smtClean="0"/>
+              <a:t>and </a:t>
+            </a:r>
+            <a:r>
+              <a:rPr lang="en-US" dirty="0" smtClean="0"/>
+              <a:t>Pitch / Feedback</a:t>
             </a:r>
           </a:p>
           <a:p>
             <a:pPr lvl="1"/>
             <a:r>
-              <a:rPr lang="en-US" dirty="0" smtClean="0"/>
-              <a:t>Yah or Nay to Proceed</a:t>
+              <a:rPr lang="en-US" dirty="0" smtClean="0">
+                <a:solidFill>
+                  <a:schemeClr val="accent5">
+                    <a:lumMod val="50000"/>
+                  </a:schemeClr>
+                </a:solidFill>
+              </a:rPr>
+              <a:t>Technical Professional Acquaintances</a:t>
+            </a:r>
+          </a:p>
+          <a:p>
+            <a:pPr lvl="1"/>
+            <a:r>
+              <a:rPr lang="en-US" dirty="0" smtClean="0">
+                <a:solidFill>
+                  <a:schemeClr val="accent5">
+                    <a:lumMod val="50000"/>
+                  </a:schemeClr>
+                </a:solidFill>
+              </a:rPr>
+              <a:t>Business Manager Acquaintances</a:t>
             </a:r>
           </a:p>
           <a:p>
@@ -6313,14 +6127,26 @@
           <a:p>
             <a:pPr lvl="1"/>
             <a:r>
-              <a:rPr lang="en-US" dirty="0" smtClean="0"/>
+              <a:rPr lang="en-US" dirty="0" smtClean="0">
+                <a:solidFill>
+                  <a:schemeClr val="accent5">
+                    <a:lumMod val="50000"/>
+                  </a:schemeClr>
+                </a:solidFill>
+              </a:rPr>
               <a:t>Planning (Marketing) is assigned (Product Owner)</a:t>
             </a:r>
           </a:p>
           <a:p>
             <a:pPr lvl="1"/>
             <a:r>
-              <a:rPr lang="en-US" dirty="0" smtClean="0"/>
+              <a:rPr lang="en-US" dirty="0" smtClean="0">
+                <a:solidFill>
+                  <a:schemeClr val="accent5">
+                    <a:lumMod val="50000"/>
+                  </a:schemeClr>
+                </a:solidFill>
+              </a:rPr>
               <a:t>Project Leader is Assigned</a:t>
             </a:r>
           </a:p>
@@ -6423,8 +6249,8 @@
         </p:nvSpPr>
         <p:spPr>
           <a:xfrm>
-            <a:off x="304800" y="1219200"/>
-            <a:ext cx="8382000" cy="4475071"/>
+            <a:off x="304800" y="1143000"/>
+            <a:ext cx="8382000" cy="6875728"/>
           </a:xfrm>
         </p:spPr>
         <p:txBody>
@@ -6433,32 +6259,180 @@
           <a:p>
             <a:r>
               <a:rPr lang="en-US" dirty="0" smtClean="0"/>
-              <a:t>Planning Person selects ‘Features’ to develop</a:t>
-            </a:r>
+              <a:t>Planning Person selects ‘Features’ to </a:t>
+            </a:r>
+            <a:r>
+              <a:rPr lang="en-US" dirty="0" smtClean="0"/>
+              <a:t>develop</a:t>
+            </a:r>
+          </a:p>
+          <a:p>
+            <a:pPr lvl="1"/>
+            <a:r>
+              <a:rPr lang="en-US" dirty="0" smtClean="0">
+                <a:solidFill>
+                  <a:schemeClr val="accent5">
+                    <a:lumMod val="50000"/>
+                  </a:schemeClr>
+                </a:solidFill>
+              </a:rPr>
+              <a:t>Document/Columnar input (+ Semantic)</a:t>
+            </a:r>
+          </a:p>
+          <a:p>
+            <a:pPr lvl="1"/>
+            <a:r>
+              <a:rPr lang="en-US" dirty="0" smtClean="0">
+                <a:solidFill>
+                  <a:schemeClr val="accent5">
+                    <a:lumMod val="50000"/>
+                  </a:schemeClr>
+                </a:solidFill>
+              </a:rPr>
+              <a:t>Micro-Service endpoints</a:t>
+            </a:r>
+          </a:p>
+          <a:p>
+            <a:pPr lvl="1"/>
+            <a:r>
+              <a:rPr lang="en-US" dirty="0" smtClean="0">
+                <a:solidFill>
+                  <a:schemeClr val="accent5">
+                    <a:lumMod val="50000"/>
+                  </a:schemeClr>
+                </a:solidFill>
+              </a:rPr>
+              <a:t>OR/WA Open Data </a:t>
+            </a:r>
+            <a:r>
+              <a:rPr lang="en-US" dirty="0" err="1" smtClean="0">
+                <a:solidFill>
+                  <a:schemeClr val="accent5">
+                    <a:lumMod val="50000"/>
+                  </a:schemeClr>
+                </a:solidFill>
+              </a:rPr>
+              <a:t>data</a:t>
+            </a:r>
+            <a:r>
+              <a:rPr lang="en-US" dirty="0" smtClean="0">
+                <a:solidFill>
+                  <a:schemeClr val="accent5">
+                    <a:lumMod val="50000"/>
+                  </a:schemeClr>
+                </a:solidFill>
+              </a:rPr>
+              <a:t> warehouse</a:t>
+            </a:r>
+            <a:endParaRPr lang="en-US" dirty="0" smtClean="0">
+              <a:solidFill>
+                <a:schemeClr val="accent5">
+                  <a:lumMod val="50000"/>
+                </a:schemeClr>
+              </a:solidFill>
+            </a:endParaRPr>
           </a:p>
           <a:p>
             <a:pPr marL="0" indent="0">
               <a:buNone/>
             </a:pPr>
-            <a:endParaRPr lang="en-US" dirty="0" smtClean="0"/>
-          </a:p>
-          <a:p>
-            <a:r>
-              <a:rPr lang="en-US" dirty="0" smtClean="0"/>
-              <a:t>Technologist selects ‘Methodologies’</a:t>
-            </a:r>
+            <a:endParaRPr lang="en-US" sz="1600" dirty="0" smtClean="0"/>
+          </a:p>
+          <a:p>
+            <a:r>
+              <a:rPr lang="en-US" dirty="0" smtClean="0"/>
+              <a:t>Project Leader </a:t>
+            </a:r>
+            <a:r>
+              <a:rPr lang="en-US" dirty="0" smtClean="0"/>
+              <a:t>selects ‘Methodologies</a:t>
+            </a:r>
+            <a:r>
+              <a:rPr lang="en-US" dirty="0" smtClean="0"/>
+              <a:t>’</a:t>
+            </a:r>
+          </a:p>
+          <a:p>
+            <a:pPr lvl="1"/>
+            <a:r>
+              <a:rPr lang="en-US" dirty="0" smtClean="0">
+                <a:solidFill>
+                  <a:schemeClr val="accent5">
+                    <a:lumMod val="50000"/>
+                  </a:schemeClr>
+                </a:solidFill>
+              </a:rPr>
+              <a:t>Agile Methodology / Sprints</a:t>
+            </a:r>
+          </a:p>
+          <a:p>
+            <a:pPr lvl="1"/>
+            <a:r>
+              <a:rPr lang="en-US" dirty="0" smtClean="0">
+                <a:solidFill>
+                  <a:schemeClr val="accent5">
+                    <a:lumMod val="50000"/>
+                  </a:schemeClr>
+                </a:solidFill>
+              </a:rPr>
+              <a:t>Test Driven Development</a:t>
+            </a:r>
+          </a:p>
+          <a:p>
+            <a:pPr lvl="1"/>
+            <a:r>
+              <a:rPr lang="en-US" dirty="0" smtClean="0">
+                <a:solidFill>
+                  <a:schemeClr val="accent5">
+                    <a:lumMod val="50000"/>
+                  </a:schemeClr>
+                </a:solidFill>
+              </a:rPr>
+              <a:t>OOP Design</a:t>
+            </a:r>
+            <a:endParaRPr lang="en-US" dirty="0" smtClean="0">
+              <a:solidFill>
+                <a:schemeClr val="accent5">
+                  <a:lumMod val="50000"/>
+                </a:schemeClr>
+              </a:solidFill>
+            </a:endParaRPr>
           </a:p>
           <a:p>
             <a:pPr marL="0" indent="0">
               <a:buNone/>
             </a:pPr>
-            <a:endParaRPr lang="en-US" dirty="0" smtClean="0"/>
-          </a:p>
-          <a:p>
-            <a:r>
-              <a:rPr lang="en-US" dirty="0" smtClean="0"/>
-              <a:t>Project Leader setups up Scrum and acts as Liaison to Business Unit(s)</a:t>
-            </a:r>
+            <a:endParaRPr lang="en-US" sz="1600" dirty="0" smtClean="0"/>
+          </a:p>
+          <a:p>
+            <a:r>
+              <a:rPr lang="en-US" dirty="0" smtClean="0"/>
+              <a:t>Project Leader setups up </a:t>
+            </a:r>
+            <a:r>
+              <a:rPr lang="en-US" dirty="0" smtClean="0"/>
+              <a:t>Sprint</a:t>
+            </a:r>
+          </a:p>
+          <a:p>
+            <a:pPr lvl="1"/>
+            <a:r>
+              <a:rPr lang="en-US" dirty="0" smtClean="0">
+                <a:solidFill>
+                  <a:schemeClr val="accent5">
+                    <a:lumMod val="50000"/>
+                  </a:schemeClr>
+                </a:solidFill>
+              </a:rPr>
+              <a:t>Weekly: Planning &amp; Review</a:t>
+            </a:r>
+            <a:endParaRPr lang="en-US" dirty="0" smtClean="0">
+              <a:solidFill>
+                <a:schemeClr val="accent5">
+                  <a:lumMod val="50000"/>
+                </a:schemeClr>
+              </a:solidFill>
+            </a:endParaRPr>
           </a:p>
           <a:p>
             <a:pPr lvl="1"/>
@@ -6559,8 +6533,8 @@
         </p:nvSpPr>
         <p:spPr>
           <a:xfrm>
-            <a:off x="304800" y="1219200"/>
-            <a:ext cx="8382000" cy="5096780"/>
+            <a:off x="304800" y="990601"/>
+            <a:ext cx="8382000" cy="7152727"/>
           </a:xfrm>
         </p:spPr>
         <p:txBody>
@@ -6568,42 +6542,115 @@
           <a:lstStyle/>
           <a:p>
             <a:r>
-              <a:rPr lang="en-US" dirty="0" smtClean="0"/>
-              <a:t>Timeframe – Typically Lasts maximum of 6 months.</a:t>
-            </a:r>
+              <a:rPr lang="en-US" dirty="0" smtClean="0">
+                <a:solidFill>
+                  <a:schemeClr val="accent5">
+                    <a:lumMod val="50000"/>
+                  </a:schemeClr>
+                </a:solidFill>
+              </a:rPr>
+              <a:t>3 Months ( Nov 2016 – Jan 2016)</a:t>
+            </a:r>
+            <a:br>
+              <a:rPr lang="en-US" dirty="0" smtClean="0">
+                <a:solidFill>
+                  <a:schemeClr val="accent5">
+                    <a:lumMod val="50000"/>
+                  </a:schemeClr>
+                </a:solidFill>
+              </a:rPr>
+            </a:br>
+            <a:endParaRPr lang="en-US" dirty="0" smtClean="0">
+              <a:solidFill>
+                <a:schemeClr val="accent5">
+                  <a:lumMod val="50000"/>
+                </a:schemeClr>
+              </a:solidFill>
+            </a:endParaRPr>
+          </a:p>
+          <a:p>
+            <a:r>
+              <a:rPr lang="en-US" dirty="0" smtClean="0"/>
+              <a:t>Demonstration of </a:t>
+            </a:r>
+            <a:r>
+              <a:rPr lang="en-US" dirty="0"/>
+              <a:t>Technology that would be </a:t>
+            </a:r>
+            <a:r>
+              <a:rPr lang="en-US" dirty="0" smtClean="0"/>
+              <a:t>productized in 18 month</a:t>
+            </a:r>
+            <a:endParaRPr lang="en-US" dirty="0"/>
+          </a:p>
+          <a:p>
+            <a:pPr marL="517525" lvl="1" indent="0">
+              <a:buNone/>
+            </a:pPr>
+            <a:endParaRPr lang="en-US" sz="1600" dirty="0"/>
+          </a:p>
+          <a:p>
+            <a:r>
+              <a:rPr lang="en-US" dirty="0" smtClean="0"/>
+              <a:t>Academic/Education</a:t>
+            </a:r>
+          </a:p>
+          <a:p>
+            <a:pPr lvl="1"/>
+            <a:r>
+              <a:rPr lang="en-US" dirty="0" smtClean="0"/>
+              <a:t>Online Tutorial</a:t>
+            </a:r>
+          </a:p>
+          <a:p>
+            <a:pPr lvl="1"/>
+            <a:r>
+              <a:rPr lang="en-US" dirty="0" smtClean="0"/>
+              <a:t>Open Source / Editing Bay</a:t>
+            </a:r>
+          </a:p>
+          <a:p>
+            <a:r>
+              <a:rPr lang="en-US" dirty="0" smtClean="0"/>
+              <a:t>Professional/Training</a:t>
+            </a:r>
+            <a:endParaRPr lang="en-US" dirty="0"/>
+          </a:p>
+          <a:p>
+            <a:pPr lvl="1"/>
+            <a:r>
+              <a:rPr lang="en-US" dirty="0" smtClean="0"/>
+              <a:t>Feature Roadmap</a:t>
+            </a:r>
+          </a:p>
+          <a:p>
+            <a:pPr lvl="1"/>
+            <a:r>
+              <a:rPr lang="en-US" dirty="0" smtClean="0"/>
+              <a:t>Professional Training</a:t>
+            </a:r>
+          </a:p>
+          <a:p>
+            <a:pPr lvl="1"/>
+            <a:r>
+              <a:rPr lang="en-US" dirty="0"/>
+              <a:t>Risk/Mitigation</a:t>
+            </a:r>
+          </a:p>
+          <a:p>
+            <a:pPr lvl="1"/>
+            <a:endParaRPr lang="en-US" dirty="0" smtClean="0">
+              <a:solidFill>
+                <a:schemeClr val="accent5">
+                  <a:lumMod val="50000"/>
+                </a:schemeClr>
+              </a:solidFill>
+            </a:endParaRPr>
           </a:p>
           <a:p>
             <a:pPr marL="0" indent="0">
               <a:buNone/>
             </a:pPr>
-            <a:endParaRPr lang="en-US" dirty="0" smtClean="0"/>
-          </a:p>
-          <a:p>
-            <a:r>
-              <a:rPr lang="en-US" dirty="0" smtClean="0"/>
-              <a:t>Sprints set to 2 to 3 weeks</a:t>
-            </a:r>
-          </a:p>
-          <a:p>
-            <a:pPr lvl="1"/>
-            <a:r>
-              <a:rPr lang="en-US" dirty="0" smtClean="0"/>
-              <a:t>Product Owner sets Features to develop</a:t>
-            </a:r>
-          </a:p>
-          <a:p>
-            <a:pPr lvl="1"/>
-            <a:r>
-              <a:rPr lang="en-US" dirty="0" smtClean="0"/>
-              <a:t>Project Leader tracks progress and reports progress to engineering management.</a:t>
-            </a:r>
-          </a:p>
-          <a:p>
-            <a:pPr lvl="1"/>
-            <a:r>
-              <a:rPr lang="en-US" dirty="0" smtClean="0"/>
-              <a:t>Technologist develops technology, unit testing (test driven development), oversees technical backlog and reports on risk/mitigation.</a:t>
-            </a:r>
             <a:endParaRPr lang="en-US" dirty="0" smtClean="0"/>
           </a:p>
           <a:p>
@@ -6676,7 +6723,7 @@
           <a:p>
             <a:r>
               <a:rPr lang="en-US" dirty="0" smtClean="0"/>
-              <a:t>Phase 2 : Turn IP into Technology (3)</a:t>
+              <a:t>Phase 2 : Turn IP into Technology (4)</a:t>
             </a:r>
             <a:br>
               <a:rPr lang="en-US" dirty="0" smtClean="0"/>
@@ -6698,7 +6745,7 @@
         <p:spPr>
           <a:xfrm>
             <a:off x="304800" y="1143000"/>
-            <a:ext cx="8382000" cy="5189113"/>
+            <a:ext cx="8382000" cy="3588675"/>
           </a:xfrm>
         </p:spPr>
         <p:txBody>
@@ -6706,75 +6753,77 @@
           <a:lstStyle/>
           <a:p>
             <a:r>
-              <a:rPr lang="en-US" dirty="0"/>
-              <a:t>Demonstrate Technology that would be productized in 18 month to 3 year window</a:t>
-            </a:r>
+              <a:rPr lang="en-US" dirty="0" smtClean="0"/>
+              <a:t>Transition </a:t>
+            </a:r>
+            <a:r>
+              <a:rPr lang="en-US" dirty="0" smtClean="0"/>
+              <a:t>to Product </a:t>
+            </a:r>
+            <a:r>
+              <a:rPr lang="en-US" dirty="0" smtClean="0"/>
+              <a:t>Stage</a:t>
+            </a:r>
+            <a:endParaRPr lang="en-US" dirty="0" smtClean="0"/>
           </a:p>
           <a:p>
             <a:pPr lvl="1"/>
             <a:r>
-              <a:rPr lang="en-US" dirty="0"/>
-              <a:t>18 months, version 1.0</a:t>
+              <a:rPr lang="en-US" dirty="0" smtClean="0"/>
+              <a:t>Product Owner writes overview product specification</a:t>
             </a:r>
           </a:p>
           <a:p>
             <a:pPr lvl="1"/>
             <a:r>
-              <a:rPr lang="en-US" dirty="0"/>
-              <a:t>36 months, version </a:t>
-            </a:r>
-            <a:r>
-              <a:rPr lang="en-US" dirty="0" smtClean="0"/>
-              <a:t>2.0</a:t>
-            </a:r>
-          </a:p>
-          <a:p>
-            <a:pPr marL="517525" lvl="1" indent="0">
-              <a:buNone/>
-            </a:pPr>
-            <a:endParaRPr lang="en-US" dirty="0"/>
-          </a:p>
-          <a:p>
-            <a:r>
-              <a:rPr lang="en-US" dirty="0" smtClean="0"/>
-              <a:t>Demonstration to Senior/Executive Business Management</a:t>
-            </a:r>
+              <a:rPr lang="en-US" dirty="0" smtClean="0"/>
+              <a:t>Development Team </a:t>
+            </a:r>
+            <a:r>
+              <a:rPr lang="en-US" dirty="0" smtClean="0"/>
+              <a:t>championed</a:t>
+            </a:r>
+            <a:endParaRPr lang="en-US" dirty="0" smtClean="0"/>
           </a:p>
           <a:p>
             <a:pPr lvl="1"/>
             <a:r>
               <a:rPr lang="en-US" dirty="0" smtClean="0"/>
-              <a:t>Technology Demonstration</a:t>
+              <a:t>Technologist transfers technology and trains development team</a:t>
             </a:r>
           </a:p>
           <a:p>
             <a:pPr lvl="1"/>
             <a:r>
               <a:rPr lang="en-US" dirty="0" smtClean="0"/>
-              <a:t>Feature Review</a:t>
+              <a:t>Project </a:t>
+            </a:r>
+            <a:r>
+              <a:rPr lang="en-US" dirty="0" smtClean="0"/>
+              <a:t>Leader oversees development team</a:t>
             </a:r>
           </a:p>
           <a:p>
             <a:pPr lvl="1"/>
             <a:r>
               <a:rPr lang="en-US" dirty="0" smtClean="0"/>
-              <a:t>Product Roadmap</a:t>
-            </a:r>
-          </a:p>
-          <a:p>
-            <a:pPr lvl="1"/>
-            <a:r>
-              <a:rPr lang="en-US" dirty="0" smtClean="0"/>
-              <a:t>Risk/Mitigation</a:t>
-            </a:r>
-            <a:endParaRPr lang="en-US" dirty="0"/>
+              <a:t>QA is on-boarded </a:t>
+            </a:r>
+            <a:r>
+              <a:rPr lang="en-US" dirty="0" smtClean="0"/>
+              <a:t>for </a:t>
+            </a:r>
+            <a:r>
+              <a:rPr lang="en-US" dirty="0" smtClean="0"/>
+              <a:t>e2e test development</a:t>
+            </a:r>
           </a:p>
         </p:txBody>
       </p:sp>
     </p:spTree>
     <p:extLst>
       <p:ext uri="{BB962C8B-B14F-4D97-AF65-F5344CB8AC3E}">
-        <p14:creationId xmlns:p14="http://schemas.microsoft.com/office/powerpoint/2010/main" val="4042414276"/>
+        <p14:creationId xmlns:p14="http://schemas.microsoft.com/office/powerpoint/2010/main" val="2510950613"/>
       </p:ext>
     </p:extLst>
   </p:cSld>
@@ -6833,11 +6882,8 @@
           <a:p>
             <a:r>
               <a:rPr lang="en-US" dirty="0" smtClean="0"/>
-              <a:t>Phase 2 : Turn IP into Technology (4)</a:t>
-            </a:r>
-            <a:br>
-              <a:rPr lang="en-US" dirty="0" smtClean="0"/>
-            </a:br>
+              <a:t>Phase 3 : Turn Technology into Product</a:t>
+            </a:r>
             <a:endParaRPr lang="en-US" dirty="0"/>
           </a:p>
         </p:txBody>
@@ -6854,8 +6900,8 @@
         </p:nvSpPr>
         <p:spPr>
           <a:xfrm>
-            <a:off x="304800" y="1143000"/>
-            <a:ext cx="8382000" cy="5078313"/>
+            <a:off x="228600" y="2057400"/>
+            <a:ext cx="8382000" cy="2443746"/>
           </a:xfrm>
         </p:spPr>
         <p:txBody>
@@ -6864,69 +6910,46 @@
           <a:p>
             <a:r>
               <a:rPr lang="en-US" dirty="0" smtClean="0"/>
-              <a:t>Business Management Makes Yah/Nay decision</a:t>
+              <a:t>Business </a:t>
+            </a:r>
+            <a:r>
+              <a:rPr lang="en-US" dirty="0" smtClean="0"/>
+              <a:t>Sponsors Fund </a:t>
+            </a:r>
+            <a:r>
+              <a:rPr lang="en-US" dirty="0" smtClean="0"/>
+              <a:t>the Development</a:t>
             </a:r>
           </a:p>
           <a:p>
             <a:pPr marL="517525" lvl="1" indent="0">
               <a:buNone/>
             </a:pPr>
-            <a:endParaRPr lang="en-US" dirty="0"/>
-          </a:p>
-          <a:p>
-            <a:r>
-              <a:rPr lang="en-US" dirty="0" smtClean="0"/>
-              <a:t>Transition to Product Phase</a:t>
-            </a:r>
-          </a:p>
-          <a:p>
-            <a:pPr lvl="1"/>
-            <a:r>
-              <a:rPr lang="en-US" dirty="0" smtClean="0"/>
-              <a:t>Product Owner writes overview product specification</a:t>
-            </a:r>
-          </a:p>
-          <a:p>
-            <a:pPr lvl="1"/>
-            <a:r>
-              <a:rPr lang="en-US" dirty="0" smtClean="0"/>
-              <a:t>Development Team (outsourced) assigned</a:t>
-            </a:r>
-          </a:p>
-          <a:p>
-            <a:pPr lvl="1"/>
-            <a:r>
-              <a:rPr lang="en-US" dirty="0" smtClean="0"/>
-              <a:t>Technologist transfers technology and trains development team</a:t>
-            </a:r>
-          </a:p>
-          <a:p>
-            <a:pPr lvl="1"/>
-            <a:r>
-              <a:rPr lang="en-US" dirty="0" smtClean="0"/>
-              <a:t>Intellectual Property is filed with Patent Office</a:t>
-            </a:r>
-          </a:p>
-          <a:p>
-            <a:pPr lvl="1"/>
-            <a:r>
-              <a:rPr lang="en-US" dirty="0" smtClean="0"/>
-              <a:t>Project Leader oversees development team</a:t>
-            </a:r>
-          </a:p>
-          <a:p>
-            <a:pPr lvl="1"/>
-            <a:r>
-              <a:rPr lang="en-US" dirty="0" smtClean="0"/>
-              <a:t>QA is on-boarded or e2e test development</a:t>
-            </a:r>
+            <a:endParaRPr lang="en-US" dirty="0" smtClean="0"/>
+          </a:p>
+          <a:p>
+            <a:r>
+              <a:rPr lang="en-US" dirty="0" smtClean="0"/>
+              <a:t>Product Owner, Project Leader, QA stay </a:t>
+            </a:r>
+            <a:r>
+              <a:rPr lang="en-US" dirty="0" smtClean="0"/>
+              <a:t>onboard through </a:t>
+            </a:r>
+            <a:r>
+              <a:rPr lang="en-US" dirty="0" smtClean="0"/>
+              <a:t>the product development.</a:t>
+            </a:r>
+          </a:p>
+          <a:p>
+            <a:endParaRPr lang="en-US" dirty="0" smtClean="0"/>
           </a:p>
         </p:txBody>
       </p:sp>
     </p:spTree>
     <p:extLst>
       <p:ext uri="{BB962C8B-B14F-4D97-AF65-F5344CB8AC3E}">
-        <p14:creationId xmlns:p14="http://schemas.microsoft.com/office/powerpoint/2010/main" val="2510950613"/>
+        <p14:creationId xmlns:p14="http://schemas.microsoft.com/office/powerpoint/2010/main" val="561516353"/>
       </p:ext>
     </p:extLst>
   </p:cSld>

--- a/sprints/Methodology.pptx
+++ b/sprints/Methodology.pptx
@@ -558,7 +558,7 @@
             <a:fld id="{81331B57-0BE5-4F82-AA58-76F53EFF3ADA}" type="datetime8">
               <a:rPr lang="en-US" smtClean="0"/>
               <a:pPr/>
-              <a:t>11/19/2016 3:37 PM</a:t>
+              <a:t>11/19/2016 9:00 PM</a:t>
             </a:fld>
             <a:endParaRPr lang="en-US" dirty="0"/>
           </a:p>
@@ -753,7 +753,7 @@
             <a:fld id="{81331B57-0BE5-4F82-AA58-76F53EFF3ADA}" type="datetime8">
               <a:rPr lang="en-US" smtClean="0"/>
               <a:pPr/>
-              <a:t>11/19/2016 3:37 PM</a:t>
+              <a:t>11/19/2016 9:00 PM</a:t>
             </a:fld>
             <a:endParaRPr lang="en-US"/>
           </a:p>
@@ -938,7 +938,7 @@
             <a:fld id="{81331B57-0BE5-4F82-AA58-76F53EFF3ADA}" type="datetime8">
               <a:rPr lang="en-US" smtClean="0"/>
               <a:pPr/>
-              <a:t>11/19/2016 3:37 PM</a:t>
+              <a:t>11/19/2016 9:00 PM</a:t>
             </a:fld>
             <a:endParaRPr lang="en-US"/>
           </a:p>
@@ -1123,7 +1123,7 @@
             <a:fld id="{81331B57-0BE5-4F82-AA58-76F53EFF3ADA}" type="datetime8">
               <a:rPr lang="en-US" smtClean="0"/>
               <a:pPr/>
-              <a:t>11/19/2016 3:37 PM</a:t>
+              <a:t>11/19/2016 9:00 PM</a:t>
             </a:fld>
             <a:endParaRPr lang="en-US"/>
           </a:p>
@@ -1308,7 +1308,7 @@
             <a:fld id="{81331B57-0BE5-4F82-AA58-76F53EFF3ADA}" type="datetime8">
               <a:rPr lang="en-US" smtClean="0"/>
               <a:pPr/>
-              <a:t>11/19/2016 3:37 PM</a:t>
+              <a:t>11/19/2016 9:00 PM</a:t>
             </a:fld>
             <a:endParaRPr lang="en-US"/>
           </a:p>
@@ -1493,7 +1493,7 @@
             <a:fld id="{81331B57-0BE5-4F82-AA58-76F53EFF3ADA}" type="datetime8">
               <a:rPr lang="en-US" smtClean="0"/>
               <a:pPr/>
-              <a:t>11/19/2016 3:37 PM</a:t>
+              <a:t>11/19/2016 9:00 PM</a:t>
             </a:fld>
             <a:endParaRPr lang="en-US"/>
           </a:p>
@@ -1678,7 +1678,7 @@
             <a:fld id="{81331B57-0BE5-4F82-AA58-76F53EFF3ADA}" type="datetime8">
               <a:rPr lang="en-US" smtClean="0"/>
               <a:pPr/>
-              <a:t>11/19/2016 3:58 PM</a:t>
+              <a:t>11/19/2016 9:00 PM</a:t>
             </a:fld>
             <a:endParaRPr lang="en-US"/>
           </a:p>
@@ -1863,7 +1863,7 @@
             <a:fld id="{81331B57-0BE5-4F82-AA58-76F53EFF3ADA}" type="datetime8">
               <a:rPr lang="en-US" smtClean="0"/>
               <a:pPr/>
-              <a:t>11/19/2016 3:37 PM</a:t>
+              <a:t>11/19/2016 9:00 PM</a:t>
             </a:fld>
             <a:endParaRPr lang="en-US"/>
           </a:p>
@@ -2048,7 +2048,7 @@
             <a:fld id="{81331B57-0BE5-4F82-AA58-76F53EFF3ADA}" type="datetime8">
               <a:rPr lang="en-US" smtClean="0"/>
               <a:pPr/>
-              <a:t>11/19/2016 3:37 PM</a:t>
+              <a:t>11/19/2016 9:00 PM</a:t>
             </a:fld>
             <a:endParaRPr lang="en-US"/>
           </a:p>
@@ -5366,15 +5366,7 @@
             </a:br>
             <a:r>
               <a:rPr lang="en-US" dirty="0" smtClean="0"/>
-              <a:t>Nov. </a:t>
-            </a:r>
-            <a:r>
-              <a:rPr lang="en-US" dirty="0" smtClean="0"/>
-              <a:t>19, </a:t>
-            </a:r>
-            <a:r>
-              <a:rPr lang="en-US" dirty="0" smtClean="0"/>
-              <a:t>2016</a:t>
+              <a:t>Nov. 19, 2016</a:t>
             </a:r>
             <a:endParaRPr lang="en-US" dirty="0"/>
           </a:p>
@@ -5622,11 +5614,7 @@
           <a:p>
             <a:r>
               <a:rPr lang="en-US" dirty="0" smtClean="0"/>
-              <a:t>Technologist chooses a concept to </a:t>
-            </a:r>
-            <a:r>
-              <a:rPr lang="en-US" dirty="0" smtClean="0"/>
-              <a:t>explore </a:t>
+              <a:t>Technologist chooses a concept to explore </a:t>
             </a:r>
           </a:p>
           <a:p>
@@ -5641,13 +5629,6 @@
               </a:rPr>
               <a:t>NoSQL Data Pipeline &amp; Engine</a:t>
             </a:r>
-            <a:endParaRPr lang="en-US" dirty="0" smtClean="0">
-              <a:solidFill>
-                <a:schemeClr val="accent5">
-                  <a:lumMod val="50000"/>
-                </a:schemeClr>
-              </a:solidFill>
-            </a:endParaRPr>
           </a:p>
           <a:p>
             <a:pPr marL="0" indent="0">
@@ -5658,15 +5639,7 @@
           <a:p>
             <a:r>
               <a:rPr lang="en-US" dirty="0" smtClean="0"/>
-              <a:t>Become </a:t>
-            </a:r>
-            <a:r>
-              <a:rPr lang="en-US" dirty="0" smtClean="0"/>
-              <a:t>familiar with the </a:t>
-            </a:r>
-            <a:r>
-              <a:rPr lang="en-US" dirty="0" smtClean="0"/>
-              <a:t>domain</a:t>
+              <a:t>Become familiar with the domain</a:t>
             </a:r>
           </a:p>
           <a:p>
@@ -5732,13 +5705,6 @@
               </a:rPr>
               <a:t>No Dominant Player – but MongoDB is leading</a:t>
             </a:r>
-            <a:endParaRPr lang="en-US" dirty="0" smtClean="0">
-              <a:solidFill>
-                <a:schemeClr val="accent5">
-                  <a:lumMod val="50000"/>
-                </a:schemeClr>
-              </a:solidFill>
-            </a:endParaRPr>
           </a:p>
           <a:p>
             <a:pPr lvl="1"/>
@@ -5763,7 +5729,7 @@
                   </a:schemeClr>
                 </a:solidFill>
               </a:rPr>
-              <a:t>Academic/Professional Education/Training</a:t>
+              <a:t>Academic/Education , Professional/Training</a:t>
             </a:r>
             <a:endParaRPr lang="en-US" dirty="0" smtClean="0">
               <a:solidFill>
@@ -5837,11 +5803,7 @@
           <a:p>
             <a:r>
               <a:rPr lang="en-US" dirty="0" smtClean="0"/>
-              <a:t>Phase 1 : IP Concept </a:t>
-            </a:r>
-            <a:r>
-              <a:rPr lang="en-US" dirty="0" smtClean="0"/>
-              <a:t>( Domain Goal)</a:t>
+              <a:t>Phase 1 : IP Concept ( Domain Goal)</a:t>
             </a:r>
             <a:endParaRPr lang="en-US" dirty="0"/>
           </a:p>
@@ -5882,13 +5844,8 @@
             <a:pPr lvl="1"/>
             <a:r>
               <a:rPr lang="en-US" dirty="0" smtClean="0"/>
-              <a:t>3/6/9 </a:t>
-            </a:r>
-            <a:r>
-              <a:rPr lang="en-US" dirty="0" smtClean="0"/>
-              <a:t>weeks plan</a:t>
-            </a:r>
-            <a:endParaRPr lang="en-US" dirty="0" smtClean="0"/>
+              <a:t>3/6/9 weeks plan</a:t>
+            </a:r>
           </a:p>
           <a:p>
             <a:pPr lvl="2"/>
@@ -6023,7 +5980,15 @@
             <a:pPr lvl="1"/>
             <a:r>
               <a:rPr lang="en-US" dirty="0" smtClean="0"/>
-              <a:t>Develop Prototype that demonstrate concepts</a:t>
+              <a:t>Develop Prototype that </a:t>
+            </a:r>
+            <a:r>
+              <a:rPr lang="en-US" dirty="0" smtClean="0"/>
+              <a:t>demonstrates </a:t>
+            </a:r>
+            <a:r>
+              <a:rPr lang="en-US" dirty="0" smtClean="0"/>
+              <a:t>concepts</a:t>
             </a:r>
           </a:p>
           <a:p>
@@ -6038,13 +6003,6 @@
               </a:rPr>
               <a:t>CSV/PSV to Columnar/Document/RDBMS data stores</a:t>
             </a:r>
-            <a:endParaRPr lang="en-US" dirty="0" smtClean="0">
-              <a:solidFill>
-                <a:schemeClr val="accent5">
-                  <a:lumMod val="50000"/>
-                </a:schemeClr>
-              </a:solidFill>
-            </a:endParaRPr>
           </a:p>
           <a:p>
             <a:pPr lvl="2"/>
@@ -6058,13 +6016,6 @@
               </a:rPr>
               <a:t>CRUD queries</a:t>
             </a:r>
-            <a:endParaRPr lang="en-US" dirty="0" smtClean="0">
-              <a:solidFill>
-                <a:schemeClr val="accent5">
-                  <a:lumMod val="50000"/>
-                </a:schemeClr>
-              </a:solidFill>
-            </a:endParaRPr>
           </a:p>
           <a:p>
             <a:pPr marL="0" indent="0">
@@ -6075,15 +6026,7 @@
           <a:p>
             <a:r>
               <a:rPr lang="en-US" dirty="0" smtClean="0"/>
-              <a:t>Practice Demo </a:t>
-            </a:r>
-            <a:r>
-              <a:rPr lang="en-US" dirty="0" smtClean="0"/>
-              <a:t>and </a:t>
-            </a:r>
-            <a:r>
-              <a:rPr lang="en-US" dirty="0" smtClean="0"/>
-              <a:t>Pitch / Feedback</a:t>
+              <a:t>Practice Demo and Pitch / Feedback</a:t>
             </a:r>
           </a:p>
           <a:p>
@@ -6259,11 +6202,7 @@
           <a:p>
             <a:r>
               <a:rPr lang="en-US" dirty="0" smtClean="0"/>
-              <a:t>Planning Person selects ‘Features’ to </a:t>
-            </a:r>
-            <a:r>
-              <a:rPr lang="en-US" dirty="0" smtClean="0"/>
-              <a:t>develop</a:t>
+              <a:t>Planning Person selects ‘Features’ to develop</a:t>
             </a:r>
           </a:p>
           <a:p>
@@ -6324,13 +6263,6 @@
               </a:rPr>
               <a:t> warehouse</a:t>
             </a:r>
-            <a:endParaRPr lang="en-US" dirty="0" smtClean="0">
-              <a:solidFill>
-                <a:schemeClr val="accent5">
-                  <a:lumMod val="50000"/>
-                </a:schemeClr>
-              </a:solidFill>
-            </a:endParaRPr>
           </a:p>
           <a:p>
             <a:pPr marL="0" indent="0">
@@ -6341,15 +6273,7 @@
           <a:p>
             <a:r>
               <a:rPr lang="en-US" dirty="0" smtClean="0"/>
-              <a:t>Project Leader </a:t>
-            </a:r>
-            <a:r>
-              <a:rPr lang="en-US" dirty="0" smtClean="0"/>
-              <a:t>selects ‘Methodologies</a:t>
-            </a:r>
-            <a:r>
-              <a:rPr lang="en-US" dirty="0" smtClean="0"/>
-              <a:t>’</a:t>
+              <a:t>Project Leader selects ‘Methodologies’</a:t>
             </a:r>
           </a:p>
           <a:p>
@@ -6390,13 +6314,6 @@
               </a:rPr>
               <a:t>OOP Design</a:t>
             </a:r>
-            <a:endParaRPr lang="en-US" dirty="0" smtClean="0">
-              <a:solidFill>
-                <a:schemeClr val="accent5">
-                  <a:lumMod val="50000"/>
-                </a:schemeClr>
-              </a:solidFill>
-            </a:endParaRPr>
           </a:p>
           <a:p>
             <a:pPr marL="0" indent="0">
@@ -6407,11 +6324,7 @@
           <a:p>
             <a:r>
               <a:rPr lang="en-US" dirty="0" smtClean="0"/>
-              <a:t>Project Leader setups up </a:t>
-            </a:r>
-            <a:r>
-              <a:rPr lang="en-US" dirty="0" smtClean="0"/>
-              <a:t>Sprint</a:t>
+              <a:t>Project Leader setups up Sprint</a:t>
             </a:r>
           </a:p>
           <a:p>
@@ -6426,13 +6339,6 @@
               </a:rPr>
               <a:t>Weekly: Planning &amp; Review</a:t>
             </a:r>
-            <a:endParaRPr lang="en-US" dirty="0" smtClean="0">
-              <a:solidFill>
-                <a:schemeClr val="accent5">
-                  <a:lumMod val="50000"/>
-                </a:schemeClr>
-              </a:solidFill>
-            </a:endParaRPr>
           </a:p>
           <a:p>
             <a:pPr lvl="1"/>
@@ -6754,17 +6660,8 @@
           <a:p>
             <a:r>
               <a:rPr lang="en-US" dirty="0" smtClean="0"/>
-              <a:t>Transition </a:t>
-            </a:r>
-            <a:r>
-              <a:rPr lang="en-US" dirty="0" smtClean="0"/>
-              <a:t>to Product </a:t>
-            </a:r>
-            <a:r>
-              <a:rPr lang="en-US" dirty="0" smtClean="0"/>
-              <a:t>Stage</a:t>
-            </a:r>
-            <a:endParaRPr lang="en-US" dirty="0" smtClean="0"/>
+              <a:t>Transition to Product Stage</a:t>
+            </a:r>
           </a:p>
           <a:p>
             <a:pPr lvl="1"/>
@@ -6777,13 +6674,8 @@
             <a:pPr lvl="1"/>
             <a:r>
               <a:rPr lang="en-US" dirty="0" smtClean="0"/>
-              <a:t>Development Team </a:t>
-            </a:r>
-            <a:r>
-              <a:rPr lang="en-US" dirty="0" smtClean="0"/>
-              <a:t>championed</a:t>
-            </a:r>
-            <a:endParaRPr lang="en-US" dirty="0" smtClean="0"/>
+              <a:t>Development Team championed</a:t>
+            </a:r>
           </a:p>
           <a:p>
             <a:pPr lvl="1"/>
@@ -6796,26 +6688,14 @@
             <a:pPr lvl="1"/>
             <a:r>
               <a:rPr lang="en-US" dirty="0" smtClean="0"/>
-              <a:t>Project </a:t>
-            </a:r>
+              <a:t>Project Leader oversees development team</a:t>
+            </a:r>
+          </a:p>
+          <a:p>
+            <a:pPr lvl="1"/>
             <a:r>
               <a:rPr lang="en-US" dirty="0" smtClean="0"/>
-              <a:t>Leader oversees development team</a:t>
-            </a:r>
-          </a:p>
-          <a:p>
-            <a:pPr lvl="1"/>
-            <a:r>
-              <a:rPr lang="en-US" dirty="0" smtClean="0"/>
-              <a:t>QA is on-boarded </a:t>
-            </a:r>
-            <a:r>
-              <a:rPr lang="en-US" dirty="0" smtClean="0"/>
-              <a:t>for </a:t>
-            </a:r>
-            <a:r>
-              <a:rPr lang="en-US" dirty="0" smtClean="0"/>
-              <a:t>e2e test development</a:t>
+              <a:t>QA is on-boarded for e2e test development</a:t>
             </a:r>
           </a:p>
         </p:txBody>
@@ -6910,15 +6790,7 @@
           <a:p>
             <a:r>
               <a:rPr lang="en-US" dirty="0" smtClean="0"/>
-              <a:t>Business </a:t>
-            </a:r>
-            <a:r>
-              <a:rPr lang="en-US" dirty="0" smtClean="0"/>
-              <a:t>Sponsors Fund </a:t>
-            </a:r>
-            <a:r>
-              <a:rPr lang="en-US" dirty="0" smtClean="0"/>
-              <a:t>the Development</a:t>
+              <a:t>Business Sponsors Fund the Development</a:t>
             </a:r>
           </a:p>
           <a:p>
@@ -6930,15 +6802,7 @@
           <a:p>
             <a:r>
               <a:rPr lang="en-US" dirty="0" smtClean="0"/>
-              <a:t>Product Owner, Project Leader, QA stay </a:t>
-            </a:r>
-            <a:r>
-              <a:rPr lang="en-US" dirty="0" smtClean="0"/>
-              <a:t>onboard through </a:t>
-            </a:r>
-            <a:r>
-              <a:rPr lang="en-US" dirty="0" smtClean="0"/>
-              <a:t>the product development.</a:t>
+              <a:t>Product Owner, Project Leader, QA stay onboard through the product development.</a:t>
             </a:r>
           </a:p>
           <a:p>

--- a/sprints/Methodology.pptx
+++ b/sprints/Methodology.pptx
@@ -10,7 +10,7 @@
   </p:notesMasterIdLst>
   <p:sldIdLst>
     <p:sldId id="257" r:id="rId4"/>
-    <p:sldId id="271" r:id="rId5"/>
+    <p:sldId id="280" r:id="rId5"/>
     <p:sldId id="272" r:id="rId6"/>
     <p:sldId id="273" r:id="rId7"/>
     <p:sldId id="274" r:id="rId8"/>
@@ -201,7 +201,7 @@
           <a:p>
             <a:fld id="{68B00D8E-BD79-47BE-AA74-0D4716B611F1}" type="datetimeFigureOut">
               <a:rPr lang="en-US" smtClean="0"/>
-              <a:t>11/19/2016</a:t>
+              <a:t>1/21/2017</a:t>
             </a:fld>
             <a:endParaRPr lang="en-US"/>
           </a:p>
@@ -558,7 +558,7 @@
             <a:fld id="{81331B57-0BE5-4F82-AA58-76F53EFF3ADA}" type="datetime8">
               <a:rPr lang="en-US" smtClean="0"/>
               <a:pPr/>
-              <a:t>11/19/2016 9:00 PM</a:t>
+              <a:t>1/21/2017 1:05 PM</a:t>
             </a:fld>
             <a:endParaRPr lang="en-US" dirty="0"/>
           </a:p>
@@ -753,7 +753,7 @@
             <a:fld id="{81331B57-0BE5-4F82-AA58-76F53EFF3ADA}" type="datetime8">
               <a:rPr lang="en-US" smtClean="0"/>
               <a:pPr/>
-              <a:t>11/19/2016 9:00 PM</a:t>
+              <a:t>1/21/2017 1:07 PM</a:t>
             </a:fld>
             <a:endParaRPr lang="en-US"/>
           </a:p>
@@ -938,7 +938,7 @@
             <a:fld id="{81331B57-0BE5-4F82-AA58-76F53EFF3ADA}" type="datetime8">
               <a:rPr lang="en-US" smtClean="0"/>
               <a:pPr/>
-              <a:t>11/19/2016 9:00 PM</a:t>
+              <a:t>1/21/2017 1:05 PM</a:t>
             </a:fld>
             <a:endParaRPr lang="en-US"/>
           </a:p>
@@ -1123,7 +1123,7 @@
             <a:fld id="{81331B57-0BE5-4F82-AA58-76F53EFF3ADA}" type="datetime8">
               <a:rPr lang="en-US" smtClean="0"/>
               <a:pPr/>
-              <a:t>11/19/2016 9:00 PM</a:t>
+              <a:t>1/21/2017 1:14 PM</a:t>
             </a:fld>
             <a:endParaRPr lang="en-US"/>
           </a:p>
@@ -1308,7 +1308,7 @@
             <a:fld id="{81331B57-0BE5-4F82-AA58-76F53EFF3ADA}" type="datetime8">
               <a:rPr lang="en-US" smtClean="0"/>
               <a:pPr/>
-              <a:t>11/19/2016 9:00 PM</a:t>
+              <a:t>1/21/2017 1:05 PM</a:t>
             </a:fld>
             <a:endParaRPr lang="en-US"/>
           </a:p>
@@ -1493,7 +1493,7 @@
             <a:fld id="{81331B57-0BE5-4F82-AA58-76F53EFF3ADA}" type="datetime8">
               <a:rPr lang="en-US" smtClean="0"/>
               <a:pPr/>
-              <a:t>11/19/2016 9:00 PM</a:t>
+              <a:t>1/21/2017 1:05 PM</a:t>
             </a:fld>
             <a:endParaRPr lang="en-US"/>
           </a:p>
@@ -1678,7 +1678,7 @@
             <a:fld id="{81331B57-0BE5-4F82-AA58-76F53EFF3ADA}" type="datetime8">
               <a:rPr lang="en-US" smtClean="0"/>
               <a:pPr/>
-              <a:t>11/19/2016 9:00 PM</a:t>
+              <a:t>1/21/2017 1:05 PM</a:t>
             </a:fld>
             <a:endParaRPr lang="en-US"/>
           </a:p>
@@ -1863,7 +1863,7 @@
             <a:fld id="{81331B57-0BE5-4F82-AA58-76F53EFF3ADA}" type="datetime8">
               <a:rPr lang="en-US" smtClean="0"/>
               <a:pPr/>
-              <a:t>11/19/2016 9:00 PM</a:t>
+              <a:t>1/21/2017 1:05 PM</a:t>
             </a:fld>
             <a:endParaRPr lang="en-US"/>
           </a:p>
@@ -2048,7 +2048,7 @@
             <a:fld id="{81331B57-0BE5-4F82-AA58-76F53EFF3ADA}" type="datetime8">
               <a:rPr lang="en-US" smtClean="0"/>
               <a:pPr/>
-              <a:t>11/19/2016 9:00 PM</a:t>
+              <a:t>1/21/2017 1:05 PM</a:t>
             </a:fld>
             <a:endParaRPr lang="en-US"/>
           </a:p>
@@ -5483,8 +5483,8 @@
         </p:nvSpPr>
         <p:spPr>
           <a:xfrm>
-            <a:off x="381000" y="1096423"/>
-            <a:ext cx="8382000" cy="3151632"/>
+            <a:off x="381000" y="1096422"/>
+            <a:ext cx="8382000" cy="5121402"/>
           </a:xfrm>
         </p:spPr>
         <p:txBody>
@@ -5517,9 +5517,47 @@
           <a:p>
             <a:r>
               <a:rPr lang="en-US" dirty="0" smtClean="0"/>
-              <a:t>Phase 3 Turn Technology into Product</a:t>
-            </a:r>
+              <a:t>Phase </a:t>
+            </a:r>
+            <a:r>
+              <a:rPr lang="en-US" dirty="0" smtClean="0"/>
+              <a:t>3: </a:t>
+            </a:r>
+            <a:r>
+              <a:rPr lang="en-US" dirty="0" smtClean="0"/>
+              <a:t>Turn Technology into </a:t>
+            </a:r>
+            <a:r>
+              <a:rPr lang="en-US" dirty="0" smtClean="0"/>
+              <a:t>Product</a:t>
+            </a:r>
+          </a:p>
+          <a:p>
             <a:endParaRPr lang="en-US" dirty="0"/>
+          </a:p>
+          <a:p>
+            <a:pPr marL="0" indent="0">
+              <a:buNone/>
+            </a:pPr>
+            <a:r>
+              <a:rPr lang="en-US" i="1" dirty="0" smtClean="0">
+                <a:solidFill>
+                  <a:schemeClr val="accent1">
+                    <a:lumMod val="60000"/>
+                    <a:lumOff val="40000"/>
+                  </a:schemeClr>
+                </a:solidFill>
+              </a:rPr>
+              <a:t>Our development follows standard research to product principles applied in major commercial research laboratories.</a:t>
+            </a:r>
+            <a:endParaRPr lang="en-US" i="1" dirty="0">
+              <a:solidFill>
+                <a:schemeClr val="accent1">
+                  <a:lumMod val="60000"/>
+                  <a:lumOff val="40000"/>
+                </a:schemeClr>
+              </a:solidFill>
+            </a:endParaRPr>
           </a:p>
           <a:p>
             <a:pPr marL="0" indent="0">
@@ -5532,7 +5570,7 @@
     </p:spTree>
     <p:extLst>
       <p:ext uri="{BB962C8B-B14F-4D97-AF65-F5344CB8AC3E}">
-        <p14:creationId xmlns:p14="http://schemas.microsoft.com/office/powerpoint/2010/main" val="3348457087"/>
+        <p14:creationId xmlns:p14="http://schemas.microsoft.com/office/powerpoint/2010/main" val="3283584325"/>
       </p:ext>
     </p:extLst>
   </p:cSld>
@@ -5614,8 +5652,13 @@
           <a:p>
             <a:r>
               <a:rPr lang="en-US" dirty="0" smtClean="0"/>
-              <a:t>Technologist chooses a concept to explore </a:t>
-            </a:r>
+              <a:t>Principal Technologist chose </a:t>
+            </a:r>
+            <a:r>
+              <a:rPr lang="en-US" dirty="0" smtClean="0"/>
+              <a:t>a concept </a:t>
+            </a:r>
+            <a:endParaRPr lang="en-US" dirty="0" smtClean="0"/>
           </a:p>
           <a:p>
             <a:pPr lvl="1"/>
@@ -5627,7 +5670,17 @@
                   </a:schemeClr>
                 </a:solidFill>
               </a:rPr>
-              <a:t>NoSQL Data Pipeline &amp; Engine</a:t>
+              <a:t>NoSQL </a:t>
+            </a:r>
+            <a:r>
+              <a:rPr lang="en-US" dirty="0" smtClean="0">
+                <a:solidFill>
+                  <a:schemeClr val="accent5">
+                    <a:lumMod val="50000"/>
+                  </a:schemeClr>
+                </a:solidFill>
+              </a:rPr>
+              <a:t>Data Pipeline &amp; Engine</a:t>
             </a:r>
           </a:p>
           <a:p>
@@ -5639,8 +5692,17 @@
           <a:p>
             <a:r>
               <a:rPr lang="en-US" dirty="0" smtClean="0"/>
-              <a:t>Become familiar with the domain</a:t>
-            </a:r>
+              <a:t>Became </a:t>
+            </a:r>
+            <a:r>
+              <a:rPr lang="en-US" dirty="0" smtClean="0"/>
+              <a:t>familiar with the </a:t>
+            </a:r>
+            <a:r>
+              <a:rPr lang="en-US" dirty="0" smtClean="0"/>
+              <a:t>concept’s domain</a:t>
+            </a:r>
+            <a:endParaRPr lang="en-US" dirty="0" smtClean="0"/>
           </a:p>
           <a:p>
             <a:pPr lvl="1"/>
@@ -5652,11 +5714,8 @@
                   </a:schemeClr>
                 </a:solidFill>
               </a:rPr>
-              <a:t>Study Schema(less) Database Principals</a:t>
-            </a:r>
-          </a:p>
-          <a:p>
-            <a:pPr lvl="1"/>
+              <a:t>Studied </a:t>
+            </a:r>
             <a:r>
               <a:rPr lang="en-US" dirty="0" smtClean="0">
                 <a:solidFill>
@@ -5665,7 +5724,7 @@
                   </a:schemeClr>
                 </a:solidFill>
               </a:rPr>
-              <a:t>Research Design Approaches</a:t>
+              <a:t>Schema(less) Database Principals</a:t>
             </a:r>
           </a:p>
           <a:p>
@@ -5678,7 +5737,40 @@
                   </a:schemeClr>
                 </a:solidFill>
               </a:rPr>
-              <a:t>Identify existing Open Source NoSQL Engines</a:t>
+              <a:t>Researched </a:t>
+            </a:r>
+            <a:r>
+              <a:rPr lang="en-US" dirty="0" smtClean="0">
+                <a:solidFill>
+                  <a:schemeClr val="accent5">
+                    <a:lumMod val="50000"/>
+                  </a:schemeClr>
+                </a:solidFill>
+              </a:rPr>
+              <a:t>Design Approaches</a:t>
+            </a:r>
+          </a:p>
+          <a:p>
+            <a:pPr lvl="1"/>
+            <a:r>
+              <a:rPr lang="en-US" dirty="0" smtClean="0">
+                <a:solidFill>
+                  <a:schemeClr val="accent5">
+                    <a:lumMod val="50000"/>
+                  </a:schemeClr>
+                </a:solidFill>
+              </a:rPr>
+              <a:t>Identified </a:t>
+            </a:r>
+            <a:r>
+              <a:rPr lang="en-US" dirty="0" smtClean="0">
+                <a:solidFill>
+                  <a:schemeClr val="accent5">
+                    <a:lumMod val="50000"/>
+                  </a:schemeClr>
+                </a:solidFill>
+              </a:rPr>
+              <a:t>existing Open Source NoSQL Engines</a:t>
             </a:r>
           </a:p>
           <a:p>
@@ -5690,7 +5782,11 @@
           <a:p>
             <a:r>
               <a:rPr lang="en-US" dirty="0" smtClean="0"/>
-              <a:t>Researches the domain for opportunity</a:t>
+              <a:t>Researched </a:t>
+            </a:r>
+            <a:r>
+              <a:rPr lang="en-US" dirty="0" smtClean="0"/>
+              <a:t>the domain for opportunity</a:t>
             </a:r>
           </a:p>
           <a:p>
@@ -5722,14 +5818,24 @@
           <a:p>
             <a:pPr lvl="1"/>
             <a:r>
-              <a:rPr lang="en-US" dirty="0" smtClean="0">
+              <a:rPr lang="en-US" dirty="0">
                 <a:solidFill>
                   <a:schemeClr val="accent5">
                     <a:lumMod val="50000"/>
                   </a:schemeClr>
                 </a:solidFill>
               </a:rPr>
-              <a:t>Academic/Education , Professional/Training</a:t>
+              <a:t>D</a:t>
+            </a:r>
+            <a:r>
+              <a:rPr lang="en-US" dirty="0" smtClean="0">
+                <a:solidFill>
+                  <a:schemeClr val="accent5">
+                    <a:lumMod val="50000"/>
+                  </a:schemeClr>
+                </a:solidFill>
+              </a:rPr>
+              <a:t>emand for Education &amp; Professional Training</a:t>
             </a:r>
             <a:endParaRPr lang="en-US" dirty="0" smtClean="0">
               <a:solidFill>
@@ -5803,7 +5909,11 @@
           <a:p>
             <a:r>
               <a:rPr lang="en-US" dirty="0" smtClean="0"/>
-              <a:t>Phase 1 : IP Concept ( Domain Goal)</a:t>
+              <a:t>Phase 1 : IP Concept </a:t>
+            </a:r>
+            <a:r>
+              <a:rPr lang="en-US" dirty="0" smtClean="0"/>
+              <a:t>(2)</a:t>
             </a:r>
             <a:endParaRPr lang="en-US" dirty="0"/>
           </a:p>
@@ -5822,7 +5932,7 @@
         <p:spPr>
           <a:xfrm>
             <a:off x="381000" y="1096423"/>
-            <a:ext cx="8382000" cy="3219343"/>
+            <a:ext cx="8382000" cy="5835444"/>
           </a:xfrm>
         </p:spPr>
         <p:txBody>
@@ -5837,7 +5947,11 @@
           <a:p>
             <a:r>
               <a:rPr lang="en-US" dirty="0" smtClean="0"/>
-              <a:t>Develops Expertise</a:t>
+              <a:t>Developed </a:t>
+            </a:r>
+            <a:r>
+              <a:rPr lang="en-US" dirty="0" smtClean="0"/>
+              <a:t>Expertise</a:t>
             </a:r>
           </a:p>
           <a:p>
@@ -5850,7 +5964,7 @@
           <a:p>
             <a:pPr lvl="2"/>
             <a:r>
-              <a:rPr lang="en-US" dirty="0" smtClean="0">
+              <a:rPr lang="en-US" b="1" dirty="0" smtClean="0">
                 <a:solidFill>
                   <a:schemeClr val="accent5">
                     <a:lumMod val="50000"/>
@@ -5863,7 +5977,7 @@
           <a:p>
             <a:pPr lvl="2"/>
             <a:r>
-              <a:rPr lang="en-US" dirty="0" smtClean="0">
+              <a:rPr lang="en-US" sz="2800" b="1" dirty="0" smtClean="0">
                 <a:solidFill>
                   <a:schemeClr val="accent5">
                     <a:lumMod val="50000"/>
@@ -5876,8 +5990,47 @@
           <a:p>
             <a:pPr lvl="2"/>
             <a:r>
-              <a:rPr lang="en-US" dirty="0" smtClean="0"/>
+              <a:rPr lang="en-US" sz="3200" b="1" dirty="0" smtClean="0">
+                <a:solidFill>
+                  <a:schemeClr val="accent5">
+                    <a:lumMod val="50000"/>
+                  </a:schemeClr>
+                </a:solidFill>
+              </a:rPr>
               <a:t>9 weeks – expert knowledge in select areas</a:t>
+            </a:r>
+          </a:p>
+          <a:p>
+            <a:pPr marL="0" indent="0">
+              <a:buNone/>
+            </a:pPr>
+            <a:endParaRPr lang="en-US" dirty="0" smtClean="0"/>
+          </a:p>
+          <a:p>
+            <a:pPr marL="0" indent="0">
+              <a:buNone/>
+            </a:pPr>
+            <a:r>
+              <a:rPr lang="en-US" i="1" dirty="0" smtClean="0">
+                <a:solidFill>
+                  <a:schemeClr val="accent1">
+                    <a:lumMod val="60000"/>
+                    <a:lumOff val="40000"/>
+                  </a:schemeClr>
+                </a:solidFill>
+              </a:rPr>
+              <a:t>Our preliminary research follows standard timelines </a:t>
+            </a:r>
+            <a:r>
+              <a:rPr lang="en-US" i="1" dirty="0">
+                <a:solidFill>
+                  <a:schemeClr val="accent1">
+                    <a:lumMod val="60000"/>
+                    <a:lumOff val="40000"/>
+                  </a:schemeClr>
+                </a:solidFill>
+              </a:rPr>
+              <a:t>applied in major commercial research laboratories.</a:t>
             </a:r>
           </a:p>
           <a:p>
@@ -5980,15 +6133,11 @@
             <a:pPr lvl="1"/>
             <a:r>
               <a:rPr lang="en-US" dirty="0" smtClean="0"/>
-              <a:t>Develop Prototype that </a:t>
+              <a:t>Developed </a:t>
             </a:r>
             <a:r>
               <a:rPr lang="en-US" dirty="0" smtClean="0"/>
-              <a:t>demonstrates </a:t>
-            </a:r>
-            <a:r>
-              <a:rPr lang="en-US" dirty="0" smtClean="0"/>
-              <a:t>concepts</a:t>
+              <a:t>Prototype that demonstrates concepts</a:t>
             </a:r>
           </a:p>
           <a:p>
@@ -6026,8 +6175,13 @@
           <a:p>
             <a:r>
               <a:rPr lang="en-US" dirty="0" smtClean="0"/>
-              <a:t>Practice Demo and Pitch / Feedback</a:t>
-            </a:r>
+              <a:t>Practice </a:t>
+            </a:r>
+            <a:r>
+              <a:rPr lang="en-US" dirty="0" smtClean="0"/>
+              <a:t>Demo, Pitch and get Feedback</a:t>
+            </a:r>
+            <a:endParaRPr lang="en-US" dirty="0" smtClean="0"/>
           </a:p>
           <a:p>
             <a:pPr lvl="1"/>
@@ -6077,11 +6231,8 @@
                   </a:schemeClr>
                 </a:solidFill>
               </a:rPr>
-              <a:t>Planning (Marketing) is assigned (Product Owner)</a:t>
-            </a:r>
-          </a:p>
-          <a:p>
-            <a:pPr lvl="1"/>
+              <a:t>Planning </a:t>
+            </a:r>
             <a:r>
               <a:rPr lang="en-US" dirty="0" smtClean="0">
                 <a:solidFill>
@@ -6090,7 +6241,60 @@
                   </a:schemeClr>
                 </a:solidFill>
               </a:rPr>
-              <a:t>Project Leader is Assigned</a:t>
+              <a:t>was </a:t>
+            </a:r>
+            <a:r>
+              <a:rPr lang="en-US" dirty="0" smtClean="0">
+                <a:solidFill>
+                  <a:schemeClr val="accent5">
+                    <a:lumMod val="50000"/>
+                  </a:schemeClr>
+                </a:solidFill>
+              </a:rPr>
+              <a:t>assigned (Product Owner)</a:t>
+            </a:r>
+          </a:p>
+          <a:p>
+            <a:pPr lvl="1"/>
+            <a:r>
+              <a:rPr lang="en-US" dirty="0" smtClean="0">
+                <a:solidFill>
+                  <a:schemeClr val="accent5">
+                    <a:lumMod val="50000"/>
+                  </a:schemeClr>
+                </a:solidFill>
+              </a:rPr>
+              <a:t>Project Leader </a:t>
+            </a:r>
+            <a:r>
+              <a:rPr lang="en-US" dirty="0" smtClean="0">
+                <a:solidFill>
+                  <a:schemeClr val="accent5">
+                    <a:lumMod val="50000"/>
+                  </a:schemeClr>
+                </a:solidFill>
+              </a:rPr>
+              <a:t>was</a:t>
+            </a:r>
+            <a:r>
+              <a:rPr lang="en-US" dirty="0" smtClean="0">
+                <a:solidFill>
+                  <a:schemeClr val="accent5">
+                    <a:lumMod val="50000"/>
+                  </a:schemeClr>
+                </a:solidFill>
+              </a:rPr>
+              <a:t> </a:t>
+            </a:r>
+            <a:r>
+              <a:rPr lang="en-US" dirty="0" smtClean="0">
+                <a:solidFill>
+                  <a:schemeClr val="accent5">
+                    <a:lumMod val="50000"/>
+                  </a:schemeClr>
+                </a:solidFill>
+              </a:rPr>
+              <a:t>Assigned</a:t>
             </a:r>
           </a:p>
           <a:p>
@@ -6193,7 +6397,7 @@
         <p:spPr>
           <a:xfrm>
             <a:off x="304800" y="1143000"/>
-            <a:ext cx="8382000" cy="6875728"/>
+            <a:ext cx="8382000" cy="6808018"/>
           </a:xfrm>
         </p:spPr>
         <p:txBody>
@@ -6202,7 +6406,15 @@
           <a:p>
             <a:r>
               <a:rPr lang="en-US" dirty="0" smtClean="0"/>
-              <a:t>Planning Person selects ‘Features’ to develop</a:t>
+              <a:t>Planning Person </a:t>
+            </a:r>
+            <a:r>
+              <a:rPr lang="en-US" dirty="0" smtClean="0"/>
+              <a:t>selected </a:t>
+            </a:r>
+            <a:r>
+              <a:rPr lang="en-US" dirty="0" smtClean="0"/>
+              <a:t>‘Features’ to develop</a:t>
             </a:r>
           </a:p>
           <a:p>
@@ -6215,11 +6427,8 @@
                   </a:schemeClr>
                 </a:solidFill>
               </a:rPr>
-              <a:t>Document/Columnar input (+ Semantic)</a:t>
-            </a:r>
-          </a:p>
-          <a:p>
-            <a:pPr lvl="1"/>
+              <a:t>CSV </a:t>
+            </a:r>
             <a:r>
               <a:rPr lang="en-US" dirty="0" smtClean="0">
                 <a:solidFill>
@@ -6228,11 +6437,8 @@
                   </a:schemeClr>
                 </a:solidFill>
               </a:rPr>
-              <a:t>Micro-Service endpoints</a:t>
-            </a:r>
-          </a:p>
-          <a:p>
-            <a:pPr lvl="1"/>
+              <a:t>input </a:t>
+            </a:r>
             <a:r>
               <a:rPr lang="en-US" dirty="0" smtClean="0">
                 <a:solidFill>
@@ -6241,17 +6447,20 @@
                   </a:schemeClr>
                 </a:solidFill>
               </a:rPr>
-              <a:t>OR/WA Open Data </a:t>
-            </a:r>
-            <a:r>
-              <a:rPr lang="en-US" dirty="0" err="1" smtClean="0">
+              <a:t>/ Schema &amp; Schema-less</a:t>
+            </a:r>
+          </a:p>
+          <a:p>
+            <a:pPr lvl="1"/>
+            <a:r>
+              <a:rPr lang="en-US" dirty="0" smtClean="0">
                 <a:solidFill>
                   <a:schemeClr val="accent5">
                     <a:lumMod val="50000"/>
                   </a:schemeClr>
                 </a:solidFill>
               </a:rPr>
-              <a:t>data</a:t>
+              <a:t>Command Line &amp; </a:t>
             </a:r>
             <a:r>
               <a:rPr lang="en-US" dirty="0" smtClean="0">
@@ -6261,8 +6470,38 @@
                   </a:schemeClr>
                 </a:solidFill>
               </a:rPr>
-              <a:t> warehouse</a:t>
-            </a:r>
+              <a:t>Micro-Service </a:t>
+            </a:r>
+            <a:r>
+              <a:rPr lang="en-US" dirty="0" smtClean="0">
+                <a:solidFill>
+                  <a:schemeClr val="accent5">
+                    <a:lumMod val="50000"/>
+                  </a:schemeClr>
+                </a:solidFill>
+              </a:rPr>
+              <a:t>endpoints</a:t>
+            </a:r>
+          </a:p>
+          <a:p>
+            <a:pPr lvl="1"/>
+            <a:r>
+              <a:rPr lang="en-US" dirty="0" smtClean="0">
+                <a:solidFill>
+                  <a:schemeClr val="accent5">
+                    <a:lumMod val="50000"/>
+                  </a:schemeClr>
+                </a:solidFill>
+              </a:rPr>
+              <a:t>RDBMS, Document and Columnar data stores</a:t>
+            </a:r>
+            <a:endParaRPr lang="en-US" dirty="0" smtClean="0">
+              <a:solidFill>
+                <a:schemeClr val="accent5">
+                  <a:lumMod val="50000"/>
+                </a:schemeClr>
+              </a:solidFill>
+            </a:endParaRPr>
           </a:p>
           <a:p>
             <a:pPr marL="0" indent="0">
@@ -6273,7 +6512,15 @@
           <a:p>
             <a:r>
               <a:rPr lang="en-US" dirty="0" smtClean="0"/>
-              <a:t>Project Leader selects ‘Methodologies’</a:t>
+              <a:t>Project Leader </a:t>
+            </a:r>
+            <a:r>
+              <a:rPr lang="en-US" dirty="0" smtClean="0"/>
+              <a:t>selected </a:t>
+            </a:r>
+            <a:r>
+              <a:rPr lang="en-US" dirty="0" smtClean="0"/>
+              <a:t>‘Methodologies’</a:t>
             </a:r>
           </a:p>
           <a:p>
@@ -6286,11 +6533,8 @@
                   </a:schemeClr>
                 </a:solidFill>
               </a:rPr>
-              <a:t>Agile Methodology / Sprints</a:t>
-            </a:r>
-          </a:p>
-          <a:p>
-            <a:pPr lvl="1"/>
+              <a:t>Agile Methodology / </a:t>
+            </a:r>
             <a:r>
               <a:rPr lang="en-US" dirty="0" smtClean="0">
                 <a:solidFill>
@@ -6299,8 +6543,45 @@
                   </a:schemeClr>
                 </a:solidFill>
               </a:rPr>
-              <a:t>Test Driven Development</a:t>
-            </a:r>
+              <a:t>Sprints / Scrum</a:t>
+            </a:r>
+            <a:endParaRPr lang="en-US" dirty="0" smtClean="0">
+              <a:solidFill>
+                <a:schemeClr val="accent5">
+                  <a:lumMod val="50000"/>
+                </a:schemeClr>
+              </a:solidFill>
+            </a:endParaRPr>
+          </a:p>
+          <a:p>
+            <a:pPr lvl="1"/>
+            <a:r>
+              <a:rPr lang="en-US" dirty="0" smtClean="0">
+                <a:solidFill>
+                  <a:schemeClr val="accent5">
+                    <a:lumMod val="50000"/>
+                  </a:schemeClr>
+                </a:solidFill>
+              </a:rPr>
+              <a:t>Test Driven </a:t>
+            </a:r>
+            <a:r>
+              <a:rPr lang="en-US" dirty="0" smtClean="0">
+                <a:solidFill>
+                  <a:schemeClr val="accent5">
+                    <a:lumMod val="50000"/>
+                  </a:schemeClr>
+                </a:solidFill>
+              </a:rPr>
+              <a:t>Development (TDD)</a:t>
+            </a:r>
+            <a:endParaRPr lang="en-US" dirty="0" smtClean="0">
+              <a:solidFill>
+                <a:schemeClr val="accent5">
+                  <a:lumMod val="50000"/>
+                </a:schemeClr>
+              </a:solidFill>
+            </a:endParaRPr>
           </a:p>
           <a:p>
             <a:pPr lvl="1"/>
@@ -6440,7 +6721,7 @@
         <p:spPr>
           <a:xfrm>
             <a:off x="304800" y="990601"/>
-            <a:ext cx="8382000" cy="7152727"/>
+            <a:ext cx="8382000" cy="6678751"/>
           </a:xfrm>
         </p:spPr>
         <p:txBody>
@@ -6481,11 +6762,23 @@
             </a:r>
             <a:r>
               <a:rPr lang="en-US" dirty="0"/>
-              <a:t>Technology that would be </a:t>
+              <a:t>Technology that </a:t>
             </a:r>
             <a:r>
               <a:rPr lang="en-US" dirty="0" smtClean="0"/>
-              <a:t>productized in 18 month</a:t>
+              <a:t>is positioned to </a:t>
+            </a:r>
+            <a:r>
+              <a:rPr lang="en-US" dirty="0"/>
+              <a:t>be </a:t>
+            </a:r>
+            <a:r>
+              <a:rPr lang="en-US" dirty="0" smtClean="0"/>
+              <a:t>productized in 18 </a:t>
+            </a:r>
+            <a:r>
+              <a:rPr lang="en-US" dirty="0" smtClean="0"/>
+              <a:t>month SDLC.</a:t>
             </a:r>
             <a:endParaRPr lang="en-US" dirty="0"/>
           </a:p>
@@ -6505,20 +6798,29 @@
             <a:pPr lvl="1"/>
             <a:r>
               <a:rPr lang="en-US" dirty="0" smtClean="0"/>
-              <a:t>Online Tutorial</a:t>
-            </a:r>
+              <a:t>Online </a:t>
+            </a:r>
+            <a:r>
+              <a:rPr lang="en-US" dirty="0" smtClean="0"/>
+              <a:t>Tutorial / Blog</a:t>
+            </a:r>
+            <a:endParaRPr lang="en-US" dirty="0" smtClean="0"/>
           </a:p>
           <a:p>
             <a:pPr lvl="1"/>
             <a:r>
               <a:rPr lang="en-US" dirty="0" smtClean="0"/>
-              <a:t>Open Source / Editing Bay</a:t>
-            </a:r>
-          </a:p>
-          <a:p>
+              <a:t>Open </a:t>
+            </a:r>
             <a:r>
               <a:rPr lang="en-US" dirty="0" smtClean="0"/>
-              <a:t>Professional/Training</a:t>
+              <a:t>Source </a:t>
+            </a:r>
+          </a:p>
+          <a:p>
+            <a:r>
+              <a:rPr lang="en-US" dirty="0" smtClean="0"/>
+              <a:t>Professional</a:t>
             </a:r>
             <a:endParaRPr lang="en-US" dirty="0"/>
           </a:p>
@@ -6526,22 +6828,20 @@
             <a:pPr lvl="1"/>
             <a:r>
               <a:rPr lang="en-US" dirty="0" smtClean="0"/>
-              <a:t>Feature Roadmap</a:t>
+              <a:t>Professional </a:t>
+            </a:r>
+            <a:r>
+              <a:rPr lang="en-US" dirty="0" smtClean="0"/>
+              <a:t>Training</a:t>
             </a:r>
           </a:p>
           <a:p>
             <a:pPr lvl="1"/>
             <a:r>
               <a:rPr lang="en-US" dirty="0" smtClean="0"/>
-              <a:t>Professional Training</a:t>
-            </a:r>
-          </a:p>
-          <a:p>
-            <a:pPr lvl="1"/>
-            <a:r>
-              <a:rPr lang="en-US" dirty="0"/>
-              <a:t>Risk/Mitigation</a:t>
-            </a:r>
+              <a:t>Feature Roadmap &amp; Risk/Mitigation</a:t>
+            </a:r>
+            <a:endParaRPr lang="en-US" dirty="0"/>
           </a:p>
           <a:p>
             <a:pPr lvl="1"/>
@@ -6674,8 +6974,13 @@
             <a:pPr lvl="1"/>
             <a:r>
               <a:rPr lang="en-US" dirty="0" smtClean="0"/>
-              <a:t>Development Team championed</a:t>
-            </a:r>
+              <a:t>Development Team </a:t>
+            </a:r>
+            <a:r>
+              <a:rPr lang="en-US" dirty="0" smtClean="0"/>
+              <a:t>champion</a:t>
+            </a:r>
+            <a:endParaRPr lang="en-US" dirty="0" smtClean="0"/>
           </a:p>
           <a:p>
             <a:pPr lvl="1"/>

--- a/sprints/Methodology.pptx
+++ b/sprints/Methodology.pptx
@@ -558,7 +558,7 @@
             <a:fld id="{81331B57-0BE5-4F82-AA58-76F53EFF3ADA}" type="datetime8">
               <a:rPr lang="en-US" smtClean="0"/>
               <a:pPr/>
-              <a:t>1/21/2017 1:05 PM</a:t>
+              <a:t>1/21/2017 2:14 PM</a:t>
             </a:fld>
             <a:endParaRPr lang="en-US" dirty="0"/>
           </a:p>
@@ -753,7 +753,7 @@
             <a:fld id="{81331B57-0BE5-4F82-AA58-76F53EFF3ADA}" type="datetime8">
               <a:rPr lang="en-US" smtClean="0"/>
               <a:pPr/>
-              <a:t>1/21/2017 1:07 PM</a:t>
+              <a:t>1/21/2017 2:14 PM</a:t>
             </a:fld>
             <a:endParaRPr lang="en-US"/>
           </a:p>
@@ -938,7 +938,7 @@
             <a:fld id="{81331B57-0BE5-4F82-AA58-76F53EFF3ADA}" type="datetime8">
               <a:rPr lang="en-US" smtClean="0"/>
               <a:pPr/>
-              <a:t>1/21/2017 1:05 PM</a:t>
+              <a:t>1/21/2017 2:14 PM</a:t>
             </a:fld>
             <a:endParaRPr lang="en-US"/>
           </a:p>
@@ -1123,7 +1123,7 @@
             <a:fld id="{81331B57-0BE5-4F82-AA58-76F53EFF3ADA}" type="datetime8">
               <a:rPr lang="en-US" smtClean="0"/>
               <a:pPr/>
-              <a:t>1/21/2017 1:14 PM</a:t>
+              <a:t>1/21/2017 2:14 PM</a:t>
             </a:fld>
             <a:endParaRPr lang="en-US"/>
           </a:p>
@@ -1308,7 +1308,7 @@
             <a:fld id="{81331B57-0BE5-4F82-AA58-76F53EFF3ADA}" type="datetime8">
               <a:rPr lang="en-US" smtClean="0"/>
               <a:pPr/>
-              <a:t>1/21/2017 1:05 PM</a:t>
+              <a:t>1/21/2017 2:14 PM</a:t>
             </a:fld>
             <a:endParaRPr lang="en-US"/>
           </a:p>
@@ -1493,7 +1493,7 @@
             <a:fld id="{81331B57-0BE5-4F82-AA58-76F53EFF3ADA}" type="datetime8">
               <a:rPr lang="en-US" smtClean="0"/>
               <a:pPr/>
-              <a:t>1/21/2017 1:05 PM</a:t>
+              <a:t>1/21/2017 2:14 PM</a:t>
             </a:fld>
             <a:endParaRPr lang="en-US"/>
           </a:p>
@@ -1678,7 +1678,7 @@
             <a:fld id="{81331B57-0BE5-4F82-AA58-76F53EFF3ADA}" type="datetime8">
               <a:rPr lang="en-US" smtClean="0"/>
               <a:pPr/>
-              <a:t>1/21/2017 1:05 PM</a:t>
+              <a:t>1/21/2017 2:14 PM</a:t>
             </a:fld>
             <a:endParaRPr lang="en-US"/>
           </a:p>
@@ -1863,7 +1863,7 @@
             <a:fld id="{81331B57-0BE5-4F82-AA58-76F53EFF3ADA}" type="datetime8">
               <a:rPr lang="en-US" smtClean="0"/>
               <a:pPr/>
-              <a:t>1/21/2017 1:05 PM</a:t>
+              <a:t>1/21/2017 2:14 PM</a:t>
             </a:fld>
             <a:endParaRPr lang="en-US"/>
           </a:p>
@@ -2048,7 +2048,7 @@
             <a:fld id="{81331B57-0BE5-4F82-AA58-76F53EFF3ADA}" type="datetime8">
               <a:rPr lang="en-US" smtClean="0"/>
               <a:pPr/>
-              <a:t>1/21/2017 1:05 PM</a:t>
+              <a:t>1/21/2017 2:14 PM</a:t>
             </a:fld>
             <a:endParaRPr lang="en-US"/>
           </a:p>
@@ -5366,7 +5366,7 @@
             </a:br>
             <a:r>
               <a:rPr lang="en-US" dirty="0" smtClean="0"/>
-              <a:t>Nov. 19, 2016</a:t>
+              <a:t>Jan. 3, 2017</a:t>
             </a:r>
             <a:endParaRPr lang="en-US" dirty="0"/>
           </a:p>
@@ -5517,19 +5517,7 @@
           <a:p>
             <a:r>
               <a:rPr lang="en-US" dirty="0" smtClean="0"/>
-              <a:t>Phase </a:t>
-            </a:r>
-            <a:r>
-              <a:rPr lang="en-US" dirty="0" smtClean="0"/>
-              <a:t>3: </a:t>
-            </a:r>
-            <a:r>
-              <a:rPr lang="en-US" dirty="0" smtClean="0"/>
-              <a:t>Turn Technology into </a:t>
-            </a:r>
-            <a:r>
-              <a:rPr lang="en-US" dirty="0" smtClean="0"/>
-              <a:t>Product</a:t>
+              <a:t>Phase 3: Turn Technology into Product</a:t>
             </a:r>
           </a:p>
           <a:p>
@@ -5652,13 +5640,8 @@
           <a:p>
             <a:r>
               <a:rPr lang="en-US" dirty="0" smtClean="0"/>
-              <a:t>Principal Technologist chose </a:t>
-            </a:r>
-            <a:r>
-              <a:rPr lang="en-US" dirty="0" smtClean="0"/>
-              <a:t>a concept </a:t>
-            </a:r>
-            <a:endParaRPr lang="en-US" dirty="0" smtClean="0"/>
+              <a:t>Principal Technologist chose a concept </a:t>
+            </a:r>
           </a:p>
           <a:p>
             <a:pPr lvl="1"/>
@@ -5670,17 +5653,7 @@
                   </a:schemeClr>
                 </a:solidFill>
               </a:rPr>
-              <a:t>NoSQL </a:t>
-            </a:r>
-            <a:r>
-              <a:rPr lang="en-US" dirty="0" smtClean="0">
-                <a:solidFill>
-                  <a:schemeClr val="accent5">
-                    <a:lumMod val="50000"/>
-                  </a:schemeClr>
-                </a:solidFill>
-              </a:rPr>
-              <a:t>Data Pipeline &amp; Engine</a:t>
+              <a:t>NoSQL Data Pipeline &amp; Engine</a:t>
             </a:r>
           </a:p>
           <a:p>
@@ -5692,17 +5665,8 @@
           <a:p>
             <a:r>
               <a:rPr lang="en-US" dirty="0" smtClean="0"/>
-              <a:t>Became </a:t>
-            </a:r>
-            <a:r>
-              <a:rPr lang="en-US" dirty="0" smtClean="0"/>
-              <a:t>familiar with the </a:t>
-            </a:r>
-            <a:r>
-              <a:rPr lang="en-US" dirty="0" smtClean="0"/>
-              <a:t>concept’s domain</a:t>
-            </a:r>
-            <a:endParaRPr lang="en-US" dirty="0" smtClean="0"/>
+              <a:t>Became familiar with the concept’s domain</a:t>
+            </a:r>
           </a:p>
           <a:p>
             <a:pPr lvl="1"/>
@@ -5714,8 +5678,11 @@
                   </a:schemeClr>
                 </a:solidFill>
               </a:rPr>
-              <a:t>Studied </a:t>
-            </a:r>
+              <a:t>Studied Schema(less) Database Principals</a:t>
+            </a:r>
+          </a:p>
+          <a:p>
+            <a:pPr lvl="1"/>
             <a:r>
               <a:rPr lang="en-US" dirty="0" smtClean="0">
                 <a:solidFill>
@@ -5724,7 +5691,7 @@
                   </a:schemeClr>
                 </a:solidFill>
               </a:rPr>
-              <a:t>Schema(less) Database Principals</a:t>
+              <a:t>Researched Design Approaches</a:t>
             </a:r>
           </a:p>
           <a:p>
@@ -5737,40 +5704,7 @@
                   </a:schemeClr>
                 </a:solidFill>
               </a:rPr>
-              <a:t>Researched </a:t>
-            </a:r>
-            <a:r>
-              <a:rPr lang="en-US" dirty="0" smtClean="0">
-                <a:solidFill>
-                  <a:schemeClr val="accent5">
-                    <a:lumMod val="50000"/>
-                  </a:schemeClr>
-                </a:solidFill>
-              </a:rPr>
-              <a:t>Design Approaches</a:t>
-            </a:r>
-          </a:p>
-          <a:p>
-            <a:pPr lvl="1"/>
-            <a:r>
-              <a:rPr lang="en-US" dirty="0" smtClean="0">
-                <a:solidFill>
-                  <a:schemeClr val="accent5">
-                    <a:lumMod val="50000"/>
-                  </a:schemeClr>
-                </a:solidFill>
-              </a:rPr>
-              <a:t>Identified </a:t>
-            </a:r>
-            <a:r>
-              <a:rPr lang="en-US" dirty="0" smtClean="0">
-                <a:solidFill>
-                  <a:schemeClr val="accent5">
-                    <a:lumMod val="50000"/>
-                  </a:schemeClr>
-                </a:solidFill>
-              </a:rPr>
-              <a:t>existing Open Source NoSQL Engines</a:t>
+              <a:t>Identified existing Open Source NoSQL Engines</a:t>
             </a:r>
           </a:p>
           <a:p>
@@ -5782,11 +5716,7 @@
           <a:p>
             <a:r>
               <a:rPr lang="en-US" dirty="0" smtClean="0"/>
-              <a:t>Researched </a:t>
-            </a:r>
-            <a:r>
-              <a:rPr lang="en-US" dirty="0" smtClean="0"/>
-              <a:t>the domain for opportunity</a:t>
+              <a:t>Researched the domain for opportunity</a:t>
             </a:r>
           </a:p>
           <a:p>
@@ -5837,13 +5767,6 @@
               </a:rPr>
               <a:t>emand for Education &amp; Professional Training</a:t>
             </a:r>
-            <a:endParaRPr lang="en-US" dirty="0" smtClean="0">
-              <a:solidFill>
-                <a:schemeClr val="accent5">
-                  <a:lumMod val="50000"/>
-                </a:schemeClr>
-              </a:solidFill>
-            </a:endParaRPr>
           </a:p>
         </p:txBody>
       </p:sp>
@@ -5909,11 +5832,7 @@
           <a:p>
             <a:r>
               <a:rPr lang="en-US" dirty="0" smtClean="0"/>
-              <a:t>Phase 1 : IP Concept </a:t>
-            </a:r>
-            <a:r>
-              <a:rPr lang="en-US" dirty="0" smtClean="0"/>
-              <a:t>(2)</a:t>
+              <a:t>Phase 1 : IP Concept (2)</a:t>
             </a:r>
             <a:endParaRPr lang="en-US" dirty="0"/>
           </a:p>
@@ -5947,11 +5866,7 @@
           <a:p>
             <a:r>
               <a:rPr lang="en-US" dirty="0" smtClean="0"/>
-              <a:t>Developed </a:t>
-            </a:r>
-            <a:r>
-              <a:rPr lang="en-US" dirty="0" smtClean="0"/>
-              <a:t>Expertise</a:t>
+              <a:t>Developed Expertise</a:t>
             </a:r>
           </a:p>
           <a:p>
@@ -6133,11 +6048,7 @@
             <a:pPr lvl="1"/>
             <a:r>
               <a:rPr lang="en-US" dirty="0" smtClean="0"/>
-              <a:t>Developed </a:t>
-            </a:r>
-            <a:r>
-              <a:rPr lang="en-US" dirty="0" smtClean="0"/>
-              <a:t>Prototype that demonstrates concepts</a:t>
+              <a:t>Developed Prototype that demonstrates concepts</a:t>
             </a:r>
           </a:p>
           <a:p>
@@ -6175,13 +6086,8 @@
           <a:p>
             <a:r>
               <a:rPr lang="en-US" dirty="0" smtClean="0"/>
-              <a:t>Practice </a:t>
-            </a:r>
-            <a:r>
-              <a:rPr lang="en-US" dirty="0" smtClean="0"/>
-              <a:t>Demo, Pitch and get Feedback</a:t>
-            </a:r>
-            <a:endParaRPr lang="en-US" dirty="0" smtClean="0"/>
+              <a:t>Practice Demo, Pitch and get Feedback</a:t>
+            </a:r>
           </a:p>
           <a:p>
             <a:pPr lvl="1"/>
@@ -6231,8 +6137,11 @@
                   </a:schemeClr>
                 </a:solidFill>
               </a:rPr>
-              <a:t>Planning </a:t>
-            </a:r>
+              <a:t>Planning was assigned (Product Owner)</a:t>
+            </a:r>
+          </a:p>
+          <a:p>
+            <a:pPr lvl="1"/>
             <a:r>
               <a:rPr lang="en-US" dirty="0" smtClean="0">
                 <a:solidFill>
@@ -6241,60 +6150,7 @@
                   </a:schemeClr>
                 </a:solidFill>
               </a:rPr>
-              <a:t>was </a:t>
-            </a:r>
-            <a:r>
-              <a:rPr lang="en-US" dirty="0" smtClean="0">
-                <a:solidFill>
-                  <a:schemeClr val="accent5">
-                    <a:lumMod val="50000"/>
-                  </a:schemeClr>
-                </a:solidFill>
-              </a:rPr>
-              <a:t>assigned (Product Owner)</a:t>
-            </a:r>
-          </a:p>
-          <a:p>
-            <a:pPr lvl="1"/>
-            <a:r>
-              <a:rPr lang="en-US" dirty="0" smtClean="0">
-                <a:solidFill>
-                  <a:schemeClr val="accent5">
-                    <a:lumMod val="50000"/>
-                  </a:schemeClr>
-                </a:solidFill>
-              </a:rPr>
-              <a:t>Project Leader </a:t>
-            </a:r>
-            <a:r>
-              <a:rPr lang="en-US" dirty="0" smtClean="0">
-                <a:solidFill>
-                  <a:schemeClr val="accent5">
-                    <a:lumMod val="50000"/>
-                  </a:schemeClr>
-                </a:solidFill>
-              </a:rPr>
-              <a:t>was</a:t>
-            </a:r>
-            <a:r>
-              <a:rPr lang="en-US" dirty="0" smtClean="0">
-                <a:solidFill>
-                  <a:schemeClr val="accent5">
-                    <a:lumMod val="50000"/>
-                  </a:schemeClr>
-                </a:solidFill>
-              </a:rPr>
-              <a:t> </a:t>
-            </a:r>
-            <a:r>
-              <a:rPr lang="en-US" dirty="0" smtClean="0">
-                <a:solidFill>
-                  <a:schemeClr val="accent5">
-                    <a:lumMod val="50000"/>
-                  </a:schemeClr>
-                </a:solidFill>
-              </a:rPr>
-              <a:t>Assigned</a:t>
+              <a:t>Project Leader was Assigned</a:t>
             </a:r>
           </a:p>
           <a:p>
@@ -6406,15 +6262,7 @@
           <a:p>
             <a:r>
               <a:rPr lang="en-US" dirty="0" smtClean="0"/>
-              <a:t>Planning Person </a:t>
-            </a:r>
-            <a:r>
-              <a:rPr lang="en-US" dirty="0" smtClean="0"/>
-              <a:t>selected </a:t>
-            </a:r>
-            <a:r>
-              <a:rPr lang="en-US" dirty="0" smtClean="0"/>
-              <a:t>‘Features’ to develop</a:t>
+              <a:t>Planning Person selected ‘Features’ to develop</a:t>
             </a:r>
           </a:p>
           <a:p>
@@ -6427,8 +6275,11 @@
                   </a:schemeClr>
                 </a:solidFill>
               </a:rPr>
-              <a:t>CSV </a:t>
-            </a:r>
+              <a:t>CSV input / Schema &amp; Schema-less</a:t>
+            </a:r>
+          </a:p>
+          <a:p>
+            <a:pPr lvl="1"/>
             <a:r>
               <a:rPr lang="en-US" dirty="0" smtClean="0">
                 <a:solidFill>
@@ -6437,8 +6288,11 @@
                   </a:schemeClr>
                 </a:solidFill>
               </a:rPr>
-              <a:t>input </a:t>
-            </a:r>
+              <a:t>Command Line &amp; Micro-Service endpoints</a:t>
+            </a:r>
+          </a:p>
+          <a:p>
+            <a:pPr lvl="1"/>
             <a:r>
               <a:rPr lang="en-US" dirty="0" smtClean="0">
                 <a:solidFill>
@@ -6447,61 +6301,8 @@
                   </a:schemeClr>
                 </a:solidFill>
               </a:rPr>
-              <a:t>/ Schema &amp; Schema-less</a:t>
-            </a:r>
-          </a:p>
-          <a:p>
-            <a:pPr lvl="1"/>
-            <a:r>
-              <a:rPr lang="en-US" dirty="0" smtClean="0">
-                <a:solidFill>
-                  <a:schemeClr val="accent5">
-                    <a:lumMod val="50000"/>
-                  </a:schemeClr>
-                </a:solidFill>
-              </a:rPr>
-              <a:t>Command Line &amp; </a:t>
-            </a:r>
-            <a:r>
-              <a:rPr lang="en-US" dirty="0" smtClean="0">
-                <a:solidFill>
-                  <a:schemeClr val="accent5">
-                    <a:lumMod val="50000"/>
-                  </a:schemeClr>
-                </a:solidFill>
-              </a:rPr>
-              <a:t>Micro-Service </a:t>
-            </a:r>
-            <a:r>
-              <a:rPr lang="en-US" dirty="0" smtClean="0">
-                <a:solidFill>
-                  <a:schemeClr val="accent5">
-                    <a:lumMod val="50000"/>
-                  </a:schemeClr>
-                </a:solidFill>
-              </a:rPr>
-              <a:t>endpoints</a:t>
-            </a:r>
-          </a:p>
-          <a:p>
-            <a:pPr lvl="1"/>
-            <a:r>
-              <a:rPr lang="en-US" dirty="0" smtClean="0">
-                <a:solidFill>
-                  <a:schemeClr val="accent5">
-                    <a:lumMod val="50000"/>
-                  </a:schemeClr>
-                </a:solidFill>
-              </a:rPr>
               <a:t>RDBMS, Document and Columnar data stores</a:t>
             </a:r>
-            <a:endParaRPr lang="en-US" dirty="0" smtClean="0">
-              <a:solidFill>
-                <a:schemeClr val="accent5">
-                  <a:lumMod val="50000"/>
-                </a:schemeClr>
-              </a:solidFill>
-            </a:endParaRPr>
           </a:p>
           <a:p>
             <a:pPr marL="0" indent="0">
@@ -6512,15 +6313,7 @@
           <a:p>
             <a:r>
               <a:rPr lang="en-US" dirty="0" smtClean="0"/>
-              <a:t>Project Leader </a:t>
-            </a:r>
-            <a:r>
-              <a:rPr lang="en-US" dirty="0" smtClean="0"/>
-              <a:t>selected </a:t>
-            </a:r>
-            <a:r>
-              <a:rPr lang="en-US" dirty="0" smtClean="0"/>
-              <a:t>‘Methodologies’</a:t>
+              <a:t>Project Leader selected ‘Methodologies’</a:t>
             </a:r>
           </a:p>
           <a:p>
@@ -6533,8 +6326,11 @@
                   </a:schemeClr>
                 </a:solidFill>
               </a:rPr>
-              <a:t>Agile Methodology / </a:t>
-            </a:r>
+              <a:t>Agile Methodology / Sprints / Scrum</a:t>
+            </a:r>
+          </a:p>
+          <a:p>
+            <a:pPr lvl="1"/>
             <a:r>
               <a:rPr lang="en-US" dirty="0" smtClean="0">
                 <a:solidFill>
@@ -6543,45 +6339,8 @@
                   </a:schemeClr>
                 </a:solidFill>
               </a:rPr>
-              <a:t>Sprints / Scrum</a:t>
-            </a:r>
-            <a:endParaRPr lang="en-US" dirty="0" smtClean="0">
-              <a:solidFill>
-                <a:schemeClr val="accent5">
-                  <a:lumMod val="50000"/>
-                </a:schemeClr>
-              </a:solidFill>
-            </a:endParaRPr>
-          </a:p>
-          <a:p>
-            <a:pPr lvl="1"/>
-            <a:r>
-              <a:rPr lang="en-US" dirty="0" smtClean="0">
-                <a:solidFill>
-                  <a:schemeClr val="accent5">
-                    <a:lumMod val="50000"/>
-                  </a:schemeClr>
-                </a:solidFill>
-              </a:rPr>
-              <a:t>Test Driven </a:t>
-            </a:r>
-            <a:r>
-              <a:rPr lang="en-US" dirty="0" smtClean="0">
-                <a:solidFill>
-                  <a:schemeClr val="accent5">
-                    <a:lumMod val="50000"/>
-                  </a:schemeClr>
-                </a:solidFill>
-              </a:rPr>
-              <a:t>Development (TDD)</a:t>
-            </a:r>
-            <a:endParaRPr lang="en-US" dirty="0" smtClean="0">
-              <a:solidFill>
-                <a:schemeClr val="accent5">
-                  <a:lumMod val="50000"/>
-                </a:schemeClr>
-              </a:solidFill>
-            </a:endParaRPr>
+              <a:t>Test Driven Development (TDD)</a:t>
+            </a:r>
           </a:p>
           <a:p>
             <a:pPr lvl="1"/>
@@ -6774,11 +6533,7 @@
             </a:r>
             <a:r>
               <a:rPr lang="en-US" dirty="0" smtClean="0"/>
-              <a:t>productized in 18 </a:t>
-            </a:r>
-            <a:r>
-              <a:rPr lang="en-US" dirty="0" smtClean="0"/>
-              <a:t>month SDLC.</a:t>
+              <a:t>productized in 18 month SDLC.</a:t>
             </a:r>
             <a:endParaRPr lang="en-US" dirty="0"/>
           </a:p>
@@ -6798,23 +6553,14 @@
             <a:pPr lvl="1"/>
             <a:r>
               <a:rPr lang="en-US" dirty="0" smtClean="0"/>
-              <a:t>Online </a:t>
-            </a:r>
+              <a:t>Online Tutorial / Blog</a:t>
+            </a:r>
+          </a:p>
+          <a:p>
+            <a:pPr lvl="1"/>
             <a:r>
               <a:rPr lang="en-US" dirty="0" smtClean="0"/>
-              <a:t>Tutorial / Blog</a:t>
-            </a:r>
-            <a:endParaRPr lang="en-US" dirty="0" smtClean="0"/>
-          </a:p>
-          <a:p>
-            <a:pPr lvl="1"/>
-            <a:r>
-              <a:rPr lang="en-US" dirty="0" smtClean="0"/>
-              <a:t>Open </a:t>
-            </a:r>
-            <a:r>
-              <a:rPr lang="en-US" dirty="0" smtClean="0"/>
-              <a:t>Source </a:t>
+              <a:t>Open Source </a:t>
             </a:r>
           </a:p>
           <a:p>
@@ -6828,11 +6574,7 @@
             <a:pPr lvl="1"/>
             <a:r>
               <a:rPr lang="en-US" dirty="0" smtClean="0"/>
-              <a:t>Professional </a:t>
-            </a:r>
-            <a:r>
-              <a:rPr lang="en-US" dirty="0" smtClean="0"/>
-              <a:t>Training</a:t>
+              <a:t>Professional Training</a:t>
             </a:r>
           </a:p>
           <a:p>
@@ -6974,13 +6716,8 @@
             <a:pPr lvl="1"/>
             <a:r>
               <a:rPr lang="en-US" dirty="0" smtClean="0"/>
-              <a:t>Development Team </a:t>
-            </a:r>
-            <a:r>
-              <a:rPr lang="en-US" dirty="0" smtClean="0"/>
-              <a:t>champion</a:t>
-            </a:r>
-            <a:endParaRPr lang="en-US" dirty="0" smtClean="0"/>
+              <a:t>Development Team champion</a:t>
+            </a:r>
           </a:p>
           <a:p>
             <a:pPr lvl="1"/>
